--- a/Literature/COVID_slides.pptx
+++ b/Literature/COVID_slides.pptx
@@ -106,6 +106,11 @@
       </a:defRPr>
     </a:lvl9pPr>
   </p:defaultTextStyle>
+  <p:extLst>
+    <p:ext uri="{EFAFB233-063F-42B5-8137-9DF3F51BA10A}">
+      <p15:sldGuideLst xmlns:p15="http://schemas.microsoft.com/office/powerpoint/2012/main"/>
+    </p:ext>
+  </p:extLst>
 </p:presentation>
 </file>
 
@@ -256,7 +261,7 @@
           <a:p>
             <a:fld id="{264B4E1C-3D02-454D-BF91-BC5403292470}" type="datetimeFigureOut">
               <a:rPr lang="en-US" smtClean="0"/>
-              <a:t>6/28/2021</a:t>
+              <a:t>7/14/2021</a:t>
             </a:fld>
             <a:endParaRPr lang="en-US"/>
           </a:p>
@@ -454,7 +459,7 @@
           <a:p>
             <a:fld id="{264B4E1C-3D02-454D-BF91-BC5403292470}" type="datetimeFigureOut">
               <a:rPr lang="en-US" smtClean="0"/>
-              <a:t>6/28/2021</a:t>
+              <a:t>7/14/2021</a:t>
             </a:fld>
             <a:endParaRPr lang="en-US"/>
           </a:p>
@@ -662,7 +667,7 @@
           <a:p>
             <a:fld id="{264B4E1C-3D02-454D-BF91-BC5403292470}" type="datetimeFigureOut">
               <a:rPr lang="en-US" smtClean="0"/>
-              <a:t>6/28/2021</a:t>
+              <a:t>7/14/2021</a:t>
             </a:fld>
             <a:endParaRPr lang="en-US"/>
           </a:p>
@@ -860,7 +865,7 @@
           <a:p>
             <a:fld id="{264B4E1C-3D02-454D-BF91-BC5403292470}" type="datetimeFigureOut">
               <a:rPr lang="en-US" smtClean="0"/>
-              <a:t>6/28/2021</a:t>
+              <a:t>7/14/2021</a:t>
             </a:fld>
             <a:endParaRPr lang="en-US"/>
           </a:p>
@@ -1135,7 +1140,7 @@
           <a:p>
             <a:fld id="{264B4E1C-3D02-454D-BF91-BC5403292470}" type="datetimeFigureOut">
               <a:rPr lang="en-US" smtClean="0"/>
-              <a:t>6/28/2021</a:t>
+              <a:t>7/14/2021</a:t>
             </a:fld>
             <a:endParaRPr lang="en-US"/>
           </a:p>
@@ -1400,7 +1405,7 @@
           <a:p>
             <a:fld id="{264B4E1C-3D02-454D-BF91-BC5403292470}" type="datetimeFigureOut">
               <a:rPr lang="en-US" smtClean="0"/>
-              <a:t>6/28/2021</a:t>
+              <a:t>7/14/2021</a:t>
             </a:fld>
             <a:endParaRPr lang="en-US"/>
           </a:p>
@@ -1812,7 +1817,7 @@
           <a:p>
             <a:fld id="{264B4E1C-3D02-454D-BF91-BC5403292470}" type="datetimeFigureOut">
               <a:rPr lang="en-US" smtClean="0"/>
-              <a:t>6/28/2021</a:t>
+              <a:t>7/14/2021</a:t>
             </a:fld>
             <a:endParaRPr lang="en-US"/>
           </a:p>
@@ -1953,7 +1958,7 @@
           <a:p>
             <a:fld id="{264B4E1C-3D02-454D-BF91-BC5403292470}" type="datetimeFigureOut">
               <a:rPr lang="en-US" smtClean="0"/>
-              <a:t>6/28/2021</a:t>
+              <a:t>7/14/2021</a:t>
             </a:fld>
             <a:endParaRPr lang="en-US"/>
           </a:p>
@@ -2066,7 +2071,7 @@
           <a:p>
             <a:fld id="{264B4E1C-3D02-454D-BF91-BC5403292470}" type="datetimeFigureOut">
               <a:rPr lang="en-US" smtClean="0"/>
-              <a:t>6/28/2021</a:t>
+              <a:t>7/14/2021</a:t>
             </a:fld>
             <a:endParaRPr lang="en-US"/>
           </a:p>
@@ -2377,7 +2382,7 @@
           <a:p>
             <a:fld id="{264B4E1C-3D02-454D-BF91-BC5403292470}" type="datetimeFigureOut">
               <a:rPr lang="en-US" smtClean="0"/>
-              <a:t>6/28/2021</a:t>
+              <a:t>7/14/2021</a:t>
             </a:fld>
             <a:endParaRPr lang="en-US"/>
           </a:p>
@@ -2665,7 +2670,7 @@
           <a:p>
             <a:fld id="{264B4E1C-3D02-454D-BF91-BC5403292470}" type="datetimeFigureOut">
               <a:rPr lang="en-US" smtClean="0"/>
-              <a:t>6/28/2021</a:t>
+              <a:t>7/14/2021</a:t>
             </a:fld>
             <a:endParaRPr lang="en-US"/>
           </a:p>
@@ -2906,7 +2911,7 @@
           <a:p>
             <a:fld id="{264B4E1C-3D02-454D-BF91-BC5403292470}" type="datetimeFigureOut">
               <a:rPr lang="en-US" smtClean="0"/>
-              <a:t>6/28/2021</a:t>
+              <a:t>7/14/2021</a:t>
             </a:fld>
             <a:endParaRPr lang="en-US"/>
           </a:p>
@@ -3438,10 +3443,10 @@
       </p:sp>
       <p:pic>
         <p:nvPicPr>
-          <p:cNvPr id="1026" name="Picture 2" descr="0">
-            <a:extLst>
-              <a:ext uri="{FF2B5EF4-FFF2-40B4-BE49-F238E27FC236}">
-                <a16:creationId xmlns:a16="http://schemas.microsoft.com/office/drawing/2014/main" id="{9B70A9F4-A150-4BD9-896F-4A2DC1CA573D}"/>
+          <p:cNvPr id="4" name="Picture 2" descr="0">
+            <a:extLst>
+              <a:ext uri="{FF2B5EF4-FFF2-40B4-BE49-F238E27FC236}">
+                <a16:creationId xmlns:a16="http://schemas.microsoft.com/office/drawing/2014/main" id="{6A4C2AA9-ACD7-497C-8D18-549BD3BF64D0}"/>
               </a:ext>
             </a:extLst>
           </p:cNvPr>
@@ -3465,8 +3470,8 @@
         </p:blipFill>
         <p:spPr bwMode="auto">
           <a:xfrm>
-            <a:off x="472440" y="926694"/>
-            <a:ext cx="5931306" cy="5931306"/>
+            <a:off x="1462723" y="944880"/>
+            <a:ext cx="5204093" cy="5913120"/>
           </a:xfrm>
           <a:prstGeom prst="rect">
             <a:avLst/>

--- a/Literature/COVID_slides.pptx
+++ b/Literature/COVID_slides.pptx
@@ -3443,10 +3443,10 @@
       </p:sp>
       <p:pic>
         <p:nvPicPr>
-          <p:cNvPr id="4" name="Picture 2" descr="0">
-            <a:extLst>
-              <a:ext uri="{FF2B5EF4-FFF2-40B4-BE49-F238E27FC236}">
-                <a16:creationId xmlns:a16="http://schemas.microsoft.com/office/drawing/2014/main" id="{6A4C2AA9-ACD7-497C-8D18-549BD3BF64D0}"/>
+          <p:cNvPr id="1028" name="Picture 4" descr="0">
+            <a:extLst>
+              <a:ext uri="{FF2B5EF4-FFF2-40B4-BE49-F238E27FC236}">
+                <a16:creationId xmlns:a16="http://schemas.microsoft.com/office/drawing/2014/main" id="{6210E379-3080-43F9-8A99-5426A75B1549}"/>
               </a:ext>
             </a:extLst>
           </p:cNvPr>
@@ -3470,8 +3470,8 @@
         </p:blipFill>
         <p:spPr bwMode="auto">
           <a:xfrm>
-            <a:off x="1462723" y="944880"/>
-            <a:ext cx="5204093" cy="5913120"/>
+            <a:off x="1538924" y="952500"/>
+            <a:ext cx="5105716" cy="5801340"/>
           </a:xfrm>
           <a:prstGeom prst="rect">
             <a:avLst/>

--- a/Literature/COVID_slides.pptx
+++ b/Literature/COVID_slides.pptx
@@ -4,10 +4,14 @@
   <p:sldMasterIdLst>
     <p:sldMasterId id="2147483648" r:id="rId1"/>
   </p:sldMasterIdLst>
+  <p:notesMasterIdLst>
+    <p:notesMasterId r:id="rId6"/>
+  </p:notesMasterIdLst>
   <p:sldIdLst>
     <p:sldId id="256" r:id="rId2"/>
-    <p:sldId id="257" r:id="rId3"/>
-    <p:sldId id="258" r:id="rId4"/>
+    <p:sldId id="259" r:id="rId3"/>
+    <p:sldId id="257" r:id="rId4"/>
+    <p:sldId id="258" r:id="rId5"/>
   </p:sldIdLst>
   <p:sldSz cx="12192000" cy="6858000"/>
   <p:notesSz cx="6858000" cy="9144000"/>
@@ -112,6 +116,439 @@
     </p:ext>
   </p:extLst>
 </p:presentation>
+</file>
+
+<file path=ppt/notesMasters/notesMaster1.xml><?xml version="1.0" encoding="utf-8"?>
+<p:notesMaster xmlns:a="http://schemas.openxmlformats.org/drawingml/2006/main" xmlns:r="http://schemas.openxmlformats.org/officeDocument/2006/relationships" xmlns:p="http://schemas.openxmlformats.org/presentationml/2006/main">
+  <p:cSld>
+    <p:bg>
+      <p:bgRef idx="1001">
+        <a:schemeClr val="bg1"/>
+      </p:bgRef>
+    </p:bg>
+    <p:spTree>
+      <p:nvGrpSpPr>
+        <p:cNvPr id="1" name=""/>
+        <p:cNvGrpSpPr/>
+        <p:nvPr/>
+      </p:nvGrpSpPr>
+      <p:grpSpPr>
+        <a:xfrm>
+          <a:off x="0" y="0"/>
+          <a:ext cx="0" cy="0"/>
+          <a:chOff x="0" y="0"/>
+          <a:chExt cx="0" cy="0"/>
+        </a:xfrm>
+      </p:grpSpPr>
+      <p:sp>
+        <p:nvSpPr>
+          <p:cNvPr id="2" name="Header Placeholder 1"/>
+          <p:cNvSpPr>
+            <a:spLocks noGrp="1"/>
+          </p:cNvSpPr>
+          <p:nvPr>
+            <p:ph type="hdr" sz="quarter"/>
+          </p:nvPr>
+        </p:nvSpPr>
+        <p:spPr>
+          <a:xfrm>
+            <a:off x="0" y="0"/>
+            <a:ext cx="2971800" cy="458788"/>
+          </a:xfrm>
+          <a:prstGeom prst="rect">
+            <a:avLst/>
+          </a:prstGeom>
+        </p:spPr>
+        <p:txBody>
+          <a:bodyPr vert="horz" lIns="91440" tIns="45720" rIns="91440" bIns="45720" rtlCol="0"/>
+          <a:lstStyle>
+            <a:lvl1pPr algn="l">
+              <a:defRPr sz="1200"/>
+            </a:lvl1pPr>
+          </a:lstStyle>
+          <a:p>
+            <a:endParaRPr lang="en-US"/>
+          </a:p>
+        </p:txBody>
+      </p:sp>
+      <p:sp>
+        <p:nvSpPr>
+          <p:cNvPr id="3" name="Date Placeholder 2"/>
+          <p:cNvSpPr>
+            <a:spLocks noGrp="1"/>
+          </p:cNvSpPr>
+          <p:nvPr>
+            <p:ph type="dt" idx="1"/>
+          </p:nvPr>
+        </p:nvSpPr>
+        <p:spPr>
+          <a:xfrm>
+            <a:off x="3884613" y="0"/>
+            <a:ext cx="2971800" cy="458788"/>
+          </a:xfrm>
+          <a:prstGeom prst="rect">
+            <a:avLst/>
+          </a:prstGeom>
+        </p:spPr>
+        <p:txBody>
+          <a:bodyPr vert="horz" lIns="91440" tIns="45720" rIns="91440" bIns="45720" rtlCol="0"/>
+          <a:lstStyle>
+            <a:lvl1pPr algn="r">
+              <a:defRPr sz="1200"/>
+            </a:lvl1pPr>
+          </a:lstStyle>
+          <a:p>
+            <a:fld id="{5F02241C-87D4-4751-B4F5-3805DCBD54F3}" type="datetimeFigureOut">
+              <a:rPr lang="en-US" smtClean="0"/>
+              <a:t>7/16/2021</a:t>
+            </a:fld>
+            <a:endParaRPr lang="en-US"/>
+          </a:p>
+        </p:txBody>
+      </p:sp>
+      <p:sp>
+        <p:nvSpPr>
+          <p:cNvPr id="4" name="Slide Image Placeholder 3"/>
+          <p:cNvSpPr>
+            <a:spLocks noGrp="1" noRot="1" noChangeAspect="1"/>
+          </p:cNvSpPr>
+          <p:nvPr>
+            <p:ph type="sldImg" idx="2"/>
+          </p:nvPr>
+        </p:nvSpPr>
+        <p:spPr>
+          <a:xfrm>
+            <a:off x="685800" y="1143000"/>
+            <a:ext cx="5486400" cy="3086100"/>
+          </a:xfrm>
+          <a:prstGeom prst="rect">
+            <a:avLst/>
+          </a:prstGeom>
+          <a:noFill/>
+          <a:ln w="12700">
+            <a:solidFill>
+              <a:prstClr val="black"/>
+            </a:solidFill>
+          </a:ln>
+        </p:spPr>
+        <p:txBody>
+          <a:bodyPr vert="horz" lIns="91440" tIns="45720" rIns="91440" bIns="45720" rtlCol="0" anchor="ctr"/>
+          <a:lstStyle/>
+          <a:p>
+            <a:endParaRPr lang="en-US"/>
+          </a:p>
+        </p:txBody>
+      </p:sp>
+      <p:sp>
+        <p:nvSpPr>
+          <p:cNvPr id="5" name="Notes Placeholder 4"/>
+          <p:cNvSpPr>
+            <a:spLocks noGrp="1"/>
+          </p:cNvSpPr>
+          <p:nvPr>
+            <p:ph type="body" sz="quarter" idx="3"/>
+          </p:nvPr>
+        </p:nvSpPr>
+        <p:spPr>
+          <a:xfrm>
+            <a:off x="685800" y="4400550"/>
+            <a:ext cx="5486400" cy="3600450"/>
+          </a:xfrm>
+          <a:prstGeom prst="rect">
+            <a:avLst/>
+          </a:prstGeom>
+        </p:spPr>
+        <p:txBody>
+          <a:bodyPr vert="horz" lIns="91440" tIns="45720" rIns="91440" bIns="45720" rtlCol="0"/>
+          <a:lstStyle/>
+          <a:p>
+            <a:pPr lvl="0"/>
+            <a:r>
+              <a:rPr lang="en-US"/>
+              <a:t>Click to edit Master text styles</a:t>
+            </a:r>
+          </a:p>
+          <a:p>
+            <a:pPr lvl="1"/>
+            <a:r>
+              <a:rPr lang="en-US"/>
+              <a:t>Second level</a:t>
+            </a:r>
+          </a:p>
+          <a:p>
+            <a:pPr lvl="2"/>
+            <a:r>
+              <a:rPr lang="en-US"/>
+              <a:t>Third level</a:t>
+            </a:r>
+          </a:p>
+          <a:p>
+            <a:pPr lvl="3"/>
+            <a:r>
+              <a:rPr lang="en-US"/>
+              <a:t>Fourth level</a:t>
+            </a:r>
+          </a:p>
+          <a:p>
+            <a:pPr lvl="4"/>
+            <a:r>
+              <a:rPr lang="en-US"/>
+              <a:t>Fifth level</a:t>
+            </a:r>
+          </a:p>
+        </p:txBody>
+      </p:sp>
+      <p:sp>
+        <p:nvSpPr>
+          <p:cNvPr id="6" name="Footer Placeholder 5"/>
+          <p:cNvSpPr>
+            <a:spLocks noGrp="1"/>
+          </p:cNvSpPr>
+          <p:nvPr>
+            <p:ph type="ftr" sz="quarter" idx="4"/>
+          </p:nvPr>
+        </p:nvSpPr>
+        <p:spPr>
+          <a:xfrm>
+            <a:off x="0" y="8685213"/>
+            <a:ext cx="2971800" cy="458787"/>
+          </a:xfrm>
+          <a:prstGeom prst="rect">
+            <a:avLst/>
+          </a:prstGeom>
+        </p:spPr>
+        <p:txBody>
+          <a:bodyPr vert="horz" lIns="91440" tIns="45720" rIns="91440" bIns="45720" rtlCol="0" anchor="b"/>
+          <a:lstStyle>
+            <a:lvl1pPr algn="l">
+              <a:defRPr sz="1200"/>
+            </a:lvl1pPr>
+          </a:lstStyle>
+          <a:p>
+            <a:endParaRPr lang="en-US"/>
+          </a:p>
+        </p:txBody>
+      </p:sp>
+      <p:sp>
+        <p:nvSpPr>
+          <p:cNvPr id="7" name="Slide Number Placeholder 6"/>
+          <p:cNvSpPr>
+            <a:spLocks noGrp="1"/>
+          </p:cNvSpPr>
+          <p:nvPr>
+            <p:ph type="sldNum" sz="quarter" idx="5"/>
+          </p:nvPr>
+        </p:nvSpPr>
+        <p:spPr>
+          <a:xfrm>
+            <a:off x="3884613" y="8685213"/>
+            <a:ext cx="2971800" cy="458787"/>
+          </a:xfrm>
+          <a:prstGeom prst="rect">
+            <a:avLst/>
+          </a:prstGeom>
+        </p:spPr>
+        <p:txBody>
+          <a:bodyPr vert="horz" lIns="91440" tIns="45720" rIns="91440" bIns="45720" rtlCol="0" anchor="b"/>
+          <a:lstStyle>
+            <a:lvl1pPr algn="r">
+              <a:defRPr sz="1200"/>
+            </a:lvl1pPr>
+          </a:lstStyle>
+          <a:p>
+            <a:fld id="{8834DEA8-1614-46A5-81A0-B807CE445BF0}" type="slidenum">
+              <a:rPr lang="en-US" smtClean="0"/>
+              <a:t>‹#›</a:t>
+            </a:fld>
+            <a:endParaRPr lang="en-US"/>
+          </a:p>
+        </p:txBody>
+      </p:sp>
+    </p:spTree>
+    <p:extLst>
+      <p:ext uri="{BB962C8B-B14F-4D97-AF65-F5344CB8AC3E}">
+        <p14:creationId xmlns:p14="http://schemas.microsoft.com/office/powerpoint/2010/main" val="3150689681"/>
+      </p:ext>
+    </p:extLst>
+  </p:cSld>
+  <p:clrMap bg1="lt1" tx1="dk1" bg2="lt2" tx2="dk2" accent1="accent1" accent2="accent2" accent3="accent3" accent4="accent4" accent5="accent5" accent6="accent6" hlink="hlink" folHlink="folHlink"/>
+  <p:notesStyle>
+    <a:lvl1pPr marL="0" algn="l" defTabSz="914400" rtl="0" eaLnBrk="1" latinLnBrk="0" hangingPunct="1">
+      <a:defRPr sz="1200" kern="1200">
+        <a:solidFill>
+          <a:schemeClr val="tx1"/>
+        </a:solidFill>
+        <a:latin typeface="+mn-lt"/>
+        <a:ea typeface="+mn-ea"/>
+        <a:cs typeface="+mn-cs"/>
+      </a:defRPr>
+    </a:lvl1pPr>
+    <a:lvl2pPr marL="457200" algn="l" defTabSz="914400" rtl="0" eaLnBrk="1" latinLnBrk="0" hangingPunct="1">
+      <a:defRPr sz="1200" kern="1200">
+        <a:solidFill>
+          <a:schemeClr val="tx1"/>
+        </a:solidFill>
+        <a:latin typeface="+mn-lt"/>
+        <a:ea typeface="+mn-ea"/>
+        <a:cs typeface="+mn-cs"/>
+      </a:defRPr>
+    </a:lvl2pPr>
+    <a:lvl3pPr marL="914400" algn="l" defTabSz="914400" rtl="0" eaLnBrk="1" latinLnBrk="0" hangingPunct="1">
+      <a:defRPr sz="1200" kern="1200">
+        <a:solidFill>
+          <a:schemeClr val="tx1"/>
+        </a:solidFill>
+        <a:latin typeface="+mn-lt"/>
+        <a:ea typeface="+mn-ea"/>
+        <a:cs typeface="+mn-cs"/>
+      </a:defRPr>
+    </a:lvl3pPr>
+    <a:lvl4pPr marL="1371600" algn="l" defTabSz="914400" rtl="0" eaLnBrk="1" latinLnBrk="0" hangingPunct="1">
+      <a:defRPr sz="1200" kern="1200">
+        <a:solidFill>
+          <a:schemeClr val="tx1"/>
+        </a:solidFill>
+        <a:latin typeface="+mn-lt"/>
+        <a:ea typeface="+mn-ea"/>
+        <a:cs typeface="+mn-cs"/>
+      </a:defRPr>
+    </a:lvl4pPr>
+    <a:lvl5pPr marL="1828800" algn="l" defTabSz="914400" rtl="0" eaLnBrk="1" latinLnBrk="0" hangingPunct="1">
+      <a:defRPr sz="1200" kern="1200">
+        <a:solidFill>
+          <a:schemeClr val="tx1"/>
+        </a:solidFill>
+        <a:latin typeface="+mn-lt"/>
+        <a:ea typeface="+mn-ea"/>
+        <a:cs typeface="+mn-cs"/>
+      </a:defRPr>
+    </a:lvl5pPr>
+    <a:lvl6pPr marL="2286000" algn="l" defTabSz="914400" rtl="0" eaLnBrk="1" latinLnBrk="0" hangingPunct="1">
+      <a:defRPr sz="1200" kern="1200">
+        <a:solidFill>
+          <a:schemeClr val="tx1"/>
+        </a:solidFill>
+        <a:latin typeface="+mn-lt"/>
+        <a:ea typeface="+mn-ea"/>
+        <a:cs typeface="+mn-cs"/>
+      </a:defRPr>
+    </a:lvl6pPr>
+    <a:lvl7pPr marL="2743200" algn="l" defTabSz="914400" rtl="0" eaLnBrk="1" latinLnBrk="0" hangingPunct="1">
+      <a:defRPr sz="1200" kern="1200">
+        <a:solidFill>
+          <a:schemeClr val="tx1"/>
+        </a:solidFill>
+        <a:latin typeface="+mn-lt"/>
+        <a:ea typeface="+mn-ea"/>
+        <a:cs typeface="+mn-cs"/>
+      </a:defRPr>
+    </a:lvl7pPr>
+    <a:lvl8pPr marL="3200400" algn="l" defTabSz="914400" rtl="0" eaLnBrk="1" latinLnBrk="0" hangingPunct="1">
+      <a:defRPr sz="1200" kern="1200">
+        <a:solidFill>
+          <a:schemeClr val="tx1"/>
+        </a:solidFill>
+        <a:latin typeface="+mn-lt"/>
+        <a:ea typeface="+mn-ea"/>
+        <a:cs typeface="+mn-cs"/>
+      </a:defRPr>
+    </a:lvl8pPr>
+    <a:lvl9pPr marL="3657600" algn="l" defTabSz="914400" rtl="0" eaLnBrk="1" latinLnBrk="0" hangingPunct="1">
+      <a:defRPr sz="1200" kern="1200">
+        <a:solidFill>
+          <a:schemeClr val="tx1"/>
+        </a:solidFill>
+        <a:latin typeface="+mn-lt"/>
+        <a:ea typeface="+mn-ea"/>
+        <a:cs typeface="+mn-cs"/>
+      </a:defRPr>
+    </a:lvl9pPr>
+  </p:notesStyle>
+</p:notesMaster>
+</file>
+
+<file path=ppt/notesSlides/notesSlide1.xml><?xml version="1.0" encoding="utf-8"?>
+<p:notes xmlns:a="http://schemas.openxmlformats.org/drawingml/2006/main" xmlns:r="http://schemas.openxmlformats.org/officeDocument/2006/relationships" xmlns:p="http://schemas.openxmlformats.org/presentationml/2006/main">
+  <p:cSld>
+    <p:spTree>
+      <p:nvGrpSpPr>
+        <p:cNvPr id="1" name=""/>
+        <p:cNvGrpSpPr/>
+        <p:nvPr/>
+      </p:nvGrpSpPr>
+      <p:grpSpPr>
+        <a:xfrm>
+          <a:off x="0" y="0"/>
+          <a:ext cx="0" cy="0"/>
+          <a:chOff x="0" y="0"/>
+          <a:chExt cx="0" cy="0"/>
+        </a:xfrm>
+      </p:grpSpPr>
+      <p:sp>
+        <p:nvSpPr>
+          <p:cNvPr id="2" name="Slide Image Placeholder 1"/>
+          <p:cNvSpPr>
+            <a:spLocks noGrp="1" noRot="1" noChangeAspect="1"/>
+          </p:cNvSpPr>
+          <p:nvPr>
+            <p:ph type="sldImg"/>
+          </p:nvPr>
+        </p:nvSpPr>
+        <p:spPr/>
+      </p:sp>
+      <p:sp>
+        <p:nvSpPr>
+          <p:cNvPr id="3" name="Notes Placeholder 2"/>
+          <p:cNvSpPr>
+            <a:spLocks noGrp="1"/>
+          </p:cNvSpPr>
+          <p:nvPr>
+            <p:ph type="body" idx="1"/>
+          </p:nvPr>
+        </p:nvSpPr>
+        <p:spPr/>
+        <p:txBody>
+          <a:bodyPr/>
+          <a:lstStyle/>
+          <a:p>
+            <a:endParaRPr lang="en-US" dirty="0"/>
+          </a:p>
+        </p:txBody>
+      </p:sp>
+      <p:sp>
+        <p:nvSpPr>
+          <p:cNvPr id="4" name="Slide Number Placeholder 3"/>
+          <p:cNvSpPr>
+            <a:spLocks noGrp="1"/>
+          </p:cNvSpPr>
+          <p:nvPr>
+            <p:ph type="sldNum" sz="quarter" idx="5"/>
+          </p:nvPr>
+        </p:nvSpPr>
+        <p:spPr/>
+        <p:txBody>
+          <a:bodyPr/>
+          <a:lstStyle/>
+          <a:p>
+            <a:fld id="{8834DEA8-1614-46A5-81A0-B807CE445BF0}" type="slidenum">
+              <a:rPr lang="en-US" smtClean="0"/>
+              <a:t>3</a:t>
+            </a:fld>
+            <a:endParaRPr lang="en-US"/>
+          </a:p>
+        </p:txBody>
+      </p:sp>
+    </p:spTree>
+    <p:extLst>
+      <p:ext uri="{BB962C8B-B14F-4D97-AF65-F5344CB8AC3E}">
+        <p14:creationId xmlns:p14="http://schemas.microsoft.com/office/powerpoint/2010/main" val="3247417560"/>
+      </p:ext>
+    </p:extLst>
+  </p:cSld>
+  <p:clrMapOvr>
+    <a:masterClrMapping/>
+  </p:clrMapOvr>
+</p:notes>
 </file>
 
 <file path=ppt/slideLayouts/slideLayout1.xml><?xml version="1.0" encoding="utf-8"?>
@@ -3410,10 +3847,35 @@
       </p:grpSpPr>
       <p:sp>
         <p:nvSpPr>
+          <p:cNvPr id="2" name="Title 1">
+            <a:extLst>
+              <a:ext uri="{FF2B5EF4-FFF2-40B4-BE49-F238E27FC236}">
+                <a16:creationId xmlns:a16="http://schemas.microsoft.com/office/drawing/2014/main" id="{E8E91D49-F1C7-4DA5-983F-D96E63B51D97}"/>
+              </a:ext>
+            </a:extLst>
+          </p:cNvPr>
+          <p:cNvSpPr>
+            <a:spLocks noGrp="1"/>
+          </p:cNvSpPr>
+          <p:nvPr>
+            <p:ph type="title"/>
+          </p:nvPr>
+        </p:nvSpPr>
+        <p:spPr/>
+        <p:txBody>
+          <a:bodyPr/>
+          <a:lstStyle/>
+          <a:p>
+            <a:endParaRPr lang="en-US"/>
+          </a:p>
+        </p:txBody>
+      </p:sp>
+      <p:sp>
+        <p:nvSpPr>
           <p:cNvPr id="3" name="Content Placeholder 2">
             <a:extLst>
               <a:ext uri="{FF2B5EF4-FFF2-40B4-BE49-F238E27FC236}">
-                <a16:creationId xmlns:a16="http://schemas.microsoft.com/office/drawing/2014/main" id="{9E836F44-1932-4890-963E-42B2A6ED4F65}"/>
+                <a16:creationId xmlns:a16="http://schemas.microsoft.com/office/drawing/2014/main" id="{8CBED450-92D2-4244-9205-05B81CD9FB76}"/>
               </a:ext>
             </a:extLst>
           </p:cNvPr>
@@ -3424,29 +3886,21 @@
             <p:ph idx="1"/>
           </p:nvPr>
         </p:nvSpPr>
-        <p:spPr>
-          <a:xfrm>
-            <a:off x="838200" y="494853"/>
-            <a:ext cx="10515600" cy="710004"/>
-          </a:xfrm>
-        </p:spPr>
-        <p:txBody>
-          <a:bodyPr/>
-          <a:lstStyle/>
-          <a:p>
-            <a:r>
-              <a:rPr lang="en-US" dirty="0"/>
-              <a:t>NHBE: Primary human lung epithelium.</a:t>
-            </a:r>
+        <p:spPr/>
+        <p:txBody>
+          <a:bodyPr/>
+          <a:lstStyle/>
+          <a:p>
+            <a:endParaRPr lang="en-US" dirty="0"/>
           </a:p>
         </p:txBody>
       </p:sp>
       <p:pic>
         <p:nvPicPr>
-          <p:cNvPr id="1028" name="Picture 4" descr="0">
-            <a:extLst>
-              <a:ext uri="{FF2B5EF4-FFF2-40B4-BE49-F238E27FC236}">
-                <a16:creationId xmlns:a16="http://schemas.microsoft.com/office/drawing/2014/main" id="{6210E379-3080-43F9-8A99-5426A75B1549}"/>
+          <p:cNvPr id="2050" name="Picture 2" descr="/WebMaterial/ShowPic/1203032">
+            <a:extLst>
+              <a:ext uri="{FF2B5EF4-FFF2-40B4-BE49-F238E27FC236}">
+                <a16:creationId xmlns:a16="http://schemas.microsoft.com/office/drawing/2014/main" id="{002D1982-CB54-4F22-8BDA-082E152DAF3E}"/>
               </a:ext>
             </a:extLst>
           </p:cNvPr>
@@ -3470,8 +3924,190 @@
         </p:blipFill>
         <p:spPr bwMode="auto">
           <a:xfrm>
-            <a:off x="1538924" y="952500"/>
-            <a:ext cx="5105716" cy="5801340"/>
+            <a:off x="7111170" y="243827"/>
+            <a:ext cx="4724400" cy="2324100"/>
+          </a:xfrm>
+          <a:prstGeom prst="rect">
+            <a:avLst/>
+          </a:prstGeom>
+          <a:noFill/>
+          <a:extLst>
+            <a:ext uri="{909E8E84-426E-40DD-AFC4-6F175D3DCCD1}">
+              <a14:hiddenFill xmlns:a14="http://schemas.microsoft.com/office/drawing/2010/main">
+                <a:solidFill>
+                  <a:srgbClr val="FFFFFF"/>
+                </a:solidFill>
+              </a14:hiddenFill>
+            </a:ext>
+          </a:extLst>
+        </p:spPr>
+      </p:pic>
+      <p:sp>
+        <p:nvSpPr>
+          <p:cNvPr id="4" name="Rectangle 3">
+            <a:extLst>
+              <a:ext uri="{FF2B5EF4-FFF2-40B4-BE49-F238E27FC236}">
+                <a16:creationId xmlns:a16="http://schemas.microsoft.com/office/drawing/2014/main" id="{ED97C8F5-8E30-4DAD-908A-B7A2679D8CC3}"/>
+              </a:ext>
+            </a:extLst>
+          </p:cNvPr>
+          <p:cNvSpPr/>
+          <p:nvPr/>
+        </p:nvSpPr>
+        <p:spPr>
+          <a:xfrm>
+            <a:off x="7269636" y="2567927"/>
+            <a:ext cx="4743991" cy="369332"/>
+          </a:xfrm>
+          <a:prstGeom prst="rect">
+            <a:avLst/>
+          </a:prstGeom>
+        </p:spPr>
+        <p:txBody>
+          <a:bodyPr wrap="none">
+            <a:spAutoFit/>
+          </a:bodyPr>
+          <a:lstStyle/>
+          <a:p>
+            <a:r>
+              <a:rPr lang="en-US" dirty="0"/>
+              <a:t>https://www.karger.com/Article/Fulltext/508379</a:t>
+            </a:r>
+          </a:p>
+        </p:txBody>
+      </p:sp>
+    </p:spTree>
+    <p:extLst>
+      <p:ext uri="{BB962C8B-B14F-4D97-AF65-F5344CB8AC3E}">
+        <p14:creationId xmlns:p14="http://schemas.microsoft.com/office/powerpoint/2010/main" val="349343159"/>
+      </p:ext>
+    </p:extLst>
+  </p:cSld>
+  <p:clrMapOvr>
+    <a:masterClrMapping/>
+  </p:clrMapOvr>
+</p:sld>
+</file>
+
+<file path=ppt/slides/slide3.xml><?xml version="1.0" encoding="utf-8"?>
+<p:sld xmlns:a="http://schemas.openxmlformats.org/drawingml/2006/main" xmlns:r="http://schemas.openxmlformats.org/officeDocument/2006/relationships" xmlns:p="http://schemas.openxmlformats.org/presentationml/2006/main">
+  <p:cSld>
+    <p:spTree>
+      <p:nvGrpSpPr>
+        <p:cNvPr id="1" name=""/>
+        <p:cNvGrpSpPr/>
+        <p:nvPr/>
+      </p:nvGrpSpPr>
+      <p:grpSpPr>
+        <a:xfrm>
+          <a:off x="0" y="0"/>
+          <a:ext cx="0" cy="0"/>
+          <a:chOff x="0" y="0"/>
+          <a:chExt cx="0" cy="0"/>
+        </a:xfrm>
+      </p:grpSpPr>
+      <p:sp>
+        <p:nvSpPr>
+          <p:cNvPr id="3" name="Content Placeholder 2">
+            <a:extLst>
+              <a:ext uri="{FF2B5EF4-FFF2-40B4-BE49-F238E27FC236}">
+                <a16:creationId xmlns:a16="http://schemas.microsoft.com/office/drawing/2014/main" id="{9E836F44-1932-4890-963E-42B2A6ED4F65}"/>
+              </a:ext>
+            </a:extLst>
+          </p:cNvPr>
+          <p:cNvSpPr>
+            <a:spLocks noGrp="1"/>
+          </p:cNvSpPr>
+          <p:nvPr>
+            <p:ph idx="1"/>
+          </p:nvPr>
+        </p:nvSpPr>
+        <p:spPr>
+          <a:xfrm>
+            <a:off x="838200" y="494853"/>
+            <a:ext cx="10515600" cy="710004"/>
+          </a:xfrm>
+        </p:spPr>
+        <p:txBody>
+          <a:bodyPr/>
+          <a:lstStyle/>
+          <a:p>
+            <a:r>
+              <a:rPr lang="en-US" dirty="0"/>
+              <a:t>NHBE: Primary human lung epithelium.</a:t>
+            </a:r>
+          </a:p>
+        </p:txBody>
+      </p:sp>
+      <p:sp>
+        <p:nvSpPr>
+          <p:cNvPr id="5" name="TextBox 4">
+            <a:extLst>
+              <a:ext uri="{FF2B5EF4-FFF2-40B4-BE49-F238E27FC236}">
+                <a16:creationId xmlns:a16="http://schemas.microsoft.com/office/drawing/2014/main" id="{5070BFD4-01BE-4E08-8B43-867F48044403}"/>
+              </a:ext>
+            </a:extLst>
+          </p:cNvPr>
+          <p:cNvSpPr txBox="1"/>
+          <p:nvPr/>
+        </p:nvSpPr>
+        <p:spPr>
+          <a:xfrm>
+            <a:off x="7124700" y="1380117"/>
+            <a:ext cx="3383280" cy="646331"/>
+          </a:xfrm>
+          <a:prstGeom prst="rect">
+            <a:avLst/>
+          </a:prstGeom>
+          <a:noFill/>
+        </p:spPr>
+        <p:txBody>
+          <a:bodyPr wrap="square" rtlCol="0">
+            <a:spAutoFit/>
+          </a:bodyPr>
+          <a:lstStyle/>
+          <a:p>
+            <a:r>
+              <a:rPr lang="en-US" dirty="0"/>
+              <a:t>Key discovery:</a:t>
+            </a:r>
+          </a:p>
+          <a:p>
+            <a:endParaRPr lang="en-US" dirty="0"/>
+          </a:p>
+        </p:txBody>
+      </p:sp>
+      <p:pic>
+        <p:nvPicPr>
+          <p:cNvPr id="1032" name="Picture 8" descr="0">
+            <a:extLst>
+              <a:ext uri="{FF2B5EF4-FFF2-40B4-BE49-F238E27FC236}">
+                <a16:creationId xmlns:a16="http://schemas.microsoft.com/office/drawing/2014/main" id="{C047113A-7CB1-4B63-AE5F-847922672506}"/>
+              </a:ext>
+            </a:extLst>
+          </p:cNvPr>
+          <p:cNvPicPr>
+            <a:picLocks noChangeAspect="1" noChangeArrowheads="1"/>
+          </p:cNvPicPr>
+          <p:nvPr/>
+        </p:nvPicPr>
+        <p:blipFill>
+          <a:blip r:embed="rId3">
+            <a:extLst>
+              <a:ext uri="{28A0092B-C50C-407E-A947-70E740481C1C}">
+                <a14:useLocalDpi xmlns:a14="http://schemas.microsoft.com/office/drawing/2010/main" val="0"/>
+              </a:ext>
+            </a:extLst>
+          </a:blip>
+          <a:srcRect/>
+          <a:stretch>
+            <a:fillRect/>
+          </a:stretch>
+        </p:blipFill>
+        <p:spPr bwMode="auto">
+          <a:xfrm>
+            <a:off x="1297624" y="819150"/>
+            <a:ext cx="3093898" cy="5985509"/>
           </a:xfrm>
           <a:prstGeom prst="rect">
             <a:avLst/>
@@ -3501,7 +4137,7 @@
 </p:sld>
 </file>
 
-<file path=ppt/slides/slide3.xml><?xml version="1.0" encoding="utf-8"?>
+<file path=ppt/slides/slide4.xml><?xml version="1.0" encoding="utf-8"?>
 <p:sld xmlns:a="http://schemas.openxmlformats.org/drawingml/2006/main" xmlns:r="http://schemas.openxmlformats.org/officeDocument/2006/relationships" xmlns:p="http://schemas.openxmlformats.org/presentationml/2006/main">
   <p:cSld>
     <p:spTree>
@@ -3874,4 +4510,299 @@
     </a:ext>
   </a:extLst>
 </a:theme>
+</file>
+
+<file path=ppt/theme/theme2.xml><?xml version="1.0" encoding="utf-8"?>
+<a:theme xmlns:a="http://schemas.openxmlformats.org/drawingml/2006/main" name="Office Theme">
+  <a:themeElements>
+    <a:clrScheme name="Office">
+      <a:dk1>
+        <a:sysClr val="windowText" lastClr="000000"/>
+      </a:dk1>
+      <a:lt1>
+        <a:sysClr val="window" lastClr="FFFFFF"/>
+      </a:lt1>
+      <a:dk2>
+        <a:srgbClr val="44546A"/>
+      </a:dk2>
+      <a:lt2>
+        <a:srgbClr val="E7E6E6"/>
+      </a:lt2>
+      <a:accent1>
+        <a:srgbClr val="4472C4"/>
+      </a:accent1>
+      <a:accent2>
+        <a:srgbClr val="ED7D31"/>
+      </a:accent2>
+      <a:accent3>
+        <a:srgbClr val="A5A5A5"/>
+      </a:accent3>
+      <a:accent4>
+        <a:srgbClr val="FFC000"/>
+      </a:accent4>
+      <a:accent5>
+        <a:srgbClr val="5B9BD5"/>
+      </a:accent5>
+      <a:accent6>
+        <a:srgbClr val="70AD47"/>
+      </a:accent6>
+      <a:hlink>
+        <a:srgbClr val="0563C1"/>
+      </a:hlink>
+      <a:folHlink>
+        <a:srgbClr val="954F72"/>
+      </a:folHlink>
+    </a:clrScheme>
+    <a:fontScheme name="Office">
+      <a:majorFont>
+        <a:latin typeface="Calibri Light" panose="020F0302020204030204"/>
+        <a:ea typeface=""/>
+        <a:cs typeface=""/>
+        <a:font script="Jpan" typeface="游ゴシック Light"/>
+        <a:font script="Hang" typeface="맑은 고딕"/>
+        <a:font script="Hans" typeface="等线 Light"/>
+        <a:font script="Hant" typeface="新細明體"/>
+        <a:font script="Arab" typeface="Times New Roman"/>
+        <a:font script="Hebr" typeface="Times New Roman"/>
+        <a:font script="Thai" typeface="Angsana New"/>
+        <a:font script="Ethi" typeface="Nyala"/>
+        <a:font script="Beng" typeface="Vrinda"/>
+        <a:font script="Gujr" typeface="Shruti"/>
+        <a:font script="Khmr" typeface="MoolBoran"/>
+        <a:font script="Knda" typeface="Tunga"/>
+        <a:font script="Guru" typeface="Raavi"/>
+        <a:font script="Cans" typeface="Euphemia"/>
+        <a:font script="Cher" typeface="Plantagenet Cherokee"/>
+        <a:font script="Yiii" typeface="Microsoft Yi Baiti"/>
+        <a:font script="Tibt" typeface="Microsoft Himalaya"/>
+        <a:font script="Thaa" typeface="MV Boli"/>
+        <a:font script="Deva" typeface="Mangal"/>
+        <a:font script="Telu" typeface="Gautami"/>
+        <a:font script="Taml" typeface="Latha"/>
+        <a:font script="Syrc" typeface="Estrangelo Edessa"/>
+        <a:font script="Orya" typeface="Kalinga"/>
+        <a:font script="Mlym" typeface="Kartika"/>
+        <a:font script="Laoo" typeface="DokChampa"/>
+        <a:font script="Sinh" typeface="Iskoola Pota"/>
+        <a:font script="Mong" typeface="Mongolian Baiti"/>
+        <a:font script="Viet" typeface="Times New Roman"/>
+        <a:font script="Uigh" typeface="Microsoft Uighur"/>
+        <a:font script="Geor" typeface="Sylfaen"/>
+        <a:font script="Armn" typeface="Arial"/>
+        <a:font script="Bugi" typeface="Leelawadee UI"/>
+        <a:font script="Bopo" typeface="Microsoft JhengHei"/>
+        <a:font script="Java" typeface="Javanese Text"/>
+        <a:font script="Lisu" typeface="Segoe UI"/>
+        <a:font script="Mymr" typeface="Myanmar Text"/>
+        <a:font script="Nkoo" typeface="Ebrima"/>
+        <a:font script="Olck" typeface="Nirmala UI"/>
+        <a:font script="Osma" typeface="Ebrima"/>
+        <a:font script="Phag" typeface="Phagspa"/>
+        <a:font script="Syrn" typeface="Estrangelo Edessa"/>
+        <a:font script="Syrj" typeface="Estrangelo Edessa"/>
+        <a:font script="Syre" typeface="Estrangelo Edessa"/>
+        <a:font script="Sora" typeface="Nirmala UI"/>
+        <a:font script="Tale" typeface="Microsoft Tai Le"/>
+        <a:font script="Talu" typeface="Microsoft New Tai Lue"/>
+        <a:font script="Tfng" typeface="Ebrima"/>
+      </a:majorFont>
+      <a:minorFont>
+        <a:latin typeface="Calibri" panose="020F0502020204030204"/>
+        <a:ea typeface=""/>
+        <a:cs typeface=""/>
+        <a:font script="Jpan" typeface="游ゴシック"/>
+        <a:font script="Hang" typeface="맑은 고딕"/>
+        <a:font script="Hans" typeface="等线"/>
+        <a:font script="Hant" typeface="新細明體"/>
+        <a:font script="Arab" typeface="Arial"/>
+        <a:font script="Hebr" typeface="Arial"/>
+        <a:font script="Thai" typeface="Cordia New"/>
+        <a:font script="Ethi" typeface="Nyala"/>
+        <a:font script="Beng" typeface="Vrinda"/>
+        <a:font script="Gujr" typeface="Shruti"/>
+        <a:font script="Khmr" typeface="DaunPenh"/>
+        <a:font script="Knda" typeface="Tunga"/>
+        <a:font script="Guru" typeface="Raavi"/>
+        <a:font script="Cans" typeface="Euphemia"/>
+        <a:font script="Cher" typeface="Plantagenet Cherokee"/>
+        <a:font script="Yiii" typeface="Microsoft Yi Baiti"/>
+        <a:font script="Tibt" typeface="Microsoft Himalaya"/>
+        <a:font script="Thaa" typeface="MV Boli"/>
+        <a:font script="Deva" typeface="Mangal"/>
+        <a:font script="Telu" typeface="Gautami"/>
+        <a:font script="Taml" typeface="Latha"/>
+        <a:font script="Syrc" typeface="Estrangelo Edessa"/>
+        <a:font script="Orya" typeface="Kalinga"/>
+        <a:font script="Mlym" typeface="Kartika"/>
+        <a:font script="Laoo" typeface="DokChampa"/>
+        <a:font script="Sinh" typeface="Iskoola Pota"/>
+        <a:font script="Mong" typeface="Mongolian Baiti"/>
+        <a:font script="Viet" typeface="Arial"/>
+        <a:font script="Uigh" typeface="Microsoft Uighur"/>
+        <a:font script="Geor" typeface="Sylfaen"/>
+        <a:font script="Armn" typeface="Arial"/>
+        <a:font script="Bugi" typeface="Leelawadee UI"/>
+        <a:font script="Bopo" typeface="Microsoft JhengHei"/>
+        <a:font script="Java" typeface="Javanese Text"/>
+        <a:font script="Lisu" typeface="Segoe UI"/>
+        <a:font script="Mymr" typeface="Myanmar Text"/>
+        <a:font script="Nkoo" typeface="Ebrima"/>
+        <a:font script="Olck" typeface="Nirmala UI"/>
+        <a:font script="Osma" typeface="Ebrima"/>
+        <a:font script="Phag" typeface="Phagspa"/>
+        <a:font script="Syrn" typeface="Estrangelo Edessa"/>
+        <a:font script="Syrj" typeface="Estrangelo Edessa"/>
+        <a:font script="Syre" typeface="Estrangelo Edessa"/>
+        <a:font script="Sora" typeface="Nirmala UI"/>
+        <a:font script="Tale" typeface="Microsoft Tai Le"/>
+        <a:font script="Talu" typeface="Microsoft New Tai Lue"/>
+        <a:font script="Tfng" typeface="Ebrima"/>
+      </a:minorFont>
+    </a:fontScheme>
+    <a:fmtScheme name="Office">
+      <a:fillStyleLst>
+        <a:solidFill>
+          <a:schemeClr val="phClr"/>
+        </a:solidFill>
+        <a:gradFill rotWithShape="1">
+          <a:gsLst>
+            <a:gs pos="0">
+              <a:schemeClr val="phClr">
+                <a:lumMod val="110000"/>
+                <a:satMod val="105000"/>
+                <a:tint val="67000"/>
+              </a:schemeClr>
+            </a:gs>
+            <a:gs pos="50000">
+              <a:schemeClr val="phClr">
+                <a:lumMod val="105000"/>
+                <a:satMod val="103000"/>
+                <a:tint val="73000"/>
+              </a:schemeClr>
+            </a:gs>
+            <a:gs pos="100000">
+              <a:schemeClr val="phClr">
+                <a:lumMod val="105000"/>
+                <a:satMod val="109000"/>
+                <a:tint val="81000"/>
+              </a:schemeClr>
+            </a:gs>
+          </a:gsLst>
+          <a:lin ang="5400000" scaled="0"/>
+        </a:gradFill>
+        <a:gradFill rotWithShape="1">
+          <a:gsLst>
+            <a:gs pos="0">
+              <a:schemeClr val="phClr">
+                <a:satMod val="103000"/>
+                <a:lumMod val="102000"/>
+                <a:tint val="94000"/>
+              </a:schemeClr>
+            </a:gs>
+            <a:gs pos="50000">
+              <a:schemeClr val="phClr">
+                <a:satMod val="110000"/>
+                <a:lumMod val="100000"/>
+                <a:shade val="100000"/>
+              </a:schemeClr>
+            </a:gs>
+            <a:gs pos="100000">
+              <a:schemeClr val="phClr">
+                <a:lumMod val="99000"/>
+                <a:satMod val="120000"/>
+                <a:shade val="78000"/>
+              </a:schemeClr>
+            </a:gs>
+          </a:gsLst>
+          <a:lin ang="5400000" scaled="0"/>
+        </a:gradFill>
+      </a:fillStyleLst>
+      <a:lnStyleLst>
+        <a:ln w="6350" cap="flat" cmpd="sng" algn="ctr">
+          <a:solidFill>
+            <a:schemeClr val="phClr"/>
+          </a:solidFill>
+          <a:prstDash val="solid"/>
+          <a:miter lim="800000"/>
+        </a:ln>
+        <a:ln w="12700" cap="flat" cmpd="sng" algn="ctr">
+          <a:solidFill>
+            <a:schemeClr val="phClr"/>
+          </a:solidFill>
+          <a:prstDash val="solid"/>
+          <a:miter lim="800000"/>
+        </a:ln>
+        <a:ln w="19050" cap="flat" cmpd="sng" algn="ctr">
+          <a:solidFill>
+            <a:schemeClr val="phClr"/>
+          </a:solidFill>
+          <a:prstDash val="solid"/>
+          <a:miter lim="800000"/>
+        </a:ln>
+      </a:lnStyleLst>
+      <a:effectStyleLst>
+        <a:effectStyle>
+          <a:effectLst/>
+        </a:effectStyle>
+        <a:effectStyle>
+          <a:effectLst/>
+        </a:effectStyle>
+        <a:effectStyle>
+          <a:effectLst>
+            <a:outerShdw blurRad="57150" dist="19050" dir="5400000" algn="ctr" rotWithShape="0">
+              <a:srgbClr val="000000">
+                <a:alpha val="63000"/>
+              </a:srgbClr>
+            </a:outerShdw>
+          </a:effectLst>
+        </a:effectStyle>
+      </a:effectStyleLst>
+      <a:bgFillStyleLst>
+        <a:solidFill>
+          <a:schemeClr val="phClr"/>
+        </a:solidFill>
+        <a:solidFill>
+          <a:schemeClr val="phClr">
+            <a:tint val="95000"/>
+            <a:satMod val="170000"/>
+          </a:schemeClr>
+        </a:solidFill>
+        <a:gradFill rotWithShape="1">
+          <a:gsLst>
+            <a:gs pos="0">
+              <a:schemeClr val="phClr">
+                <a:tint val="93000"/>
+                <a:satMod val="150000"/>
+                <a:shade val="98000"/>
+                <a:lumMod val="102000"/>
+              </a:schemeClr>
+            </a:gs>
+            <a:gs pos="50000">
+              <a:schemeClr val="phClr">
+                <a:tint val="98000"/>
+                <a:satMod val="130000"/>
+                <a:shade val="90000"/>
+                <a:lumMod val="103000"/>
+              </a:schemeClr>
+            </a:gs>
+            <a:gs pos="100000">
+              <a:schemeClr val="phClr">
+                <a:shade val="63000"/>
+                <a:satMod val="120000"/>
+              </a:schemeClr>
+            </a:gs>
+          </a:gsLst>
+          <a:lin ang="5400000" scaled="0"/>
+        </a:gradFill>
+      </a:bgFillStyleLst>
+    </a:fmtScheme>
+  </a:themeElements>
+  <a:objectDefaults/>
+  <a:extraClrSchemeLst/>
+  <a:extLst>
+    <a:ext uri="{05A4C25C-085E-4340-85A3-A5531E510DB2}">
+      <thm15:themeFamily xmlns:thm15="http://schemas.microsoft.com/office/thememl/2012/main" name="Office Theme" id="{62F939B6-93AF-4DB8-9C6B-D6C7DFDC589F}" vid="{4A3C46E8-61CC-4603-A589-7422A47A8E4A}"/>
+    </a:ext>
+  </a:extLst>
+</a:theme>
 </file>
--- a/Literature/COVID_slides.pptx
+++ b/Literature/COVID_slides.pptx
@@ -3847,31 +3847,6 @@
       </p:grpSpPr>
       <p:sp>
         <p:nvSpPr>
-          <p:cNvPr id="2" name="Title 1">
-            <a:extLst>
-              <a:ext uri="{FF2B5EF4-FFF2-40B4-BE49-F238E27FC236}">
-                <a16:creationId xmlns:a16="http://schemas.microsoft.com/office/drawing/2014/main" id="{E8E91D49-F1C7-4DA5-983F-D96E63B51D97}"/>
-              </a:ext>
-            </a:extLst>
-          </p:cNvPr>
-          <p:cNvSpPr>
-            <a:spLocks noGrp="1"/>
-          </p:cNvSpPr>
-          <p:nvPr>
-            <p:ph type="title"/>
-          </p:nvPr>
-        </p:nvSpPr>
-        <p:spPr/>
-        <p:txBody>
-          <a:bodyPr/>
-          <a:lstStyle/>
-          <a:p>
-            <a:endParaRPr lang="en-US"/>
-          </a:p>
-        </p:txBody>
-      </p:sp>
-      <p:sp>
-        <p:nvSpPr>
           <p:cNvPr id="3" name="Content Placeholder 2">
             <a:extLst>
               <a:ext uri="{FF2B5EF4-FFF2-40B4-BE49-F238E27FC236}">
@@ -3886,10 +3861,21 @@
             <p:ph idx="1"/>
           </p:nvPr>
         </p:nvSpPr>
-        <p:spPr/>
-        <p:txBody>
-          <a:bodyPr/>
-          <a:lstStyle/>
+        <p:spPr>
+          <a:xfrm>
+            <a:off x="838200" y="447675"/>
+            <a:ext cx="10515600" cy="5729288"/>
+          </a:xfrm>
+        </p:spPr>
+        <p:txBody>
+          <a:bodyPr/>
+          <a:lstStyle/>
+          <a:p>
+            <a:r>
+              <a:rPr lang="en-US" dirty="0"/>
+              <a:t>NHBE: Primary human lung epithelium.</a:t>
+            </a:r>
+          </a:p>
           <a:p>
             <a:endParaRPr lang="en-US" dirty="0"/>
           </a:p>
@@ -3972,6 +3958,40 @@
             <a:r>
               <a:rPr lang="en-US" dirty="0"/>
               <a:t>https://www.karger.com/Article/Fulltext/508379</a:t>
+            </a:r>
+          </a:p>
+        </p:txBody>
+      </p:sp>
+      <p:sp>
+        <p:nvSpPr>
+          <p:cNvPr id="6" name="Rectangle 5">
+            <a:extLst>
+              <a:ext uri="{FF2B5EF4-FFF2-40B4-BE49-F238E27FC236}">
+                <a16:creationId xmlns:a16="http://schemas.microsoft.com/office/drawing/2014/main" id="{0FBEDDDE-BE56-4771-AD07-61068038FD1D}"/>
+              </a:ext>
+            </a:extLst>
+          </p:cNvPr>
+          <p:cNvSpPr/>
+          <p:nvPr/>
+        </p:nvSpPr>
+        <p:spPr>
+          <a:xfrm>
+            <a:off x="7269635" y="0"/>
+            <a:ext cx="3268780" cy="369332"/>
+          </a:xfrm>
+          <a:prstGeom prst="rect">
+            <a:avLst/>
+          </a:prstGeom>
+        </p:spPr>
+        <p:txBody>
+          <a:bodyPr wrap="none">
+            <a:spAutoFit/>
+          </a:bodyPr>
+          <a:lstStyle/>
+          <a:p>
+            <a:r>
+              <a:rPr lang="en-US" dirty="0"/>
+              <a:t>IFN role in the anti-viral infection</a:t>
             </a:r>
           </a:p>
         </p:txBody>
@@ -4077,53 +4097,6 @@
           </a:p>
         </p:txBody>
       </p:sp>
-      <p:pic>
-        <p:nvPicPr>
-          <p:cNvPr id="1032" name="Picture 8" descr="0">
-            <a:extLst>
-              <a:ext uri="{FF2B5EF4-FFF2-40B4-BE49-F238E27FC236}">
-                <a16:creationId xmlns:a16="http://schemas.microsoft.com/office/drawing/2014/main" id="{C047113A-7CB1-4B63-AE5F-847922672506}"/>
-              </a:ext>
-            </a:extLst>
-          </p:cNvPr>
-          <p:cNvPicPr>
-            <a:picLocks noChangeAspect="1" noChangeArrowheads="1"/>
-          </p:cNvPicPr>
-          <p:nvPr/>
-        </p:nvPicPr>
-        <p:blipFill>
-          <a:blip r:embed="rId3">
-            <a:extLst>
-              <a:ext uri="{28A0092B-C50C-407E-A947-70E740481C1C}">
-                <a14:useLocalDpi xmlns:a14="http://schemas.microsoft.com/office/drawing/2010/main" val="0"/>
-              </a:ext>
-            </a:extLst>
-          </a:blip>
-          <a:srcRect/>
-          <a:stretch>
-            <a:fillRect/>
-          </a:stretch>
-        </p:blipFill>
-        <p:spPr bwMode="auto">
-          <a:xfrm>
-            <a:off x="1297624" y="819150"/>
-            <a:ext cx="3093898" cy="5985509"/>
-          </a:xfrm>
-          <a:prstGeom prst="rect">
-            <a:avLst/>
-          </a:prstGeom>
-          <a:noFill/>
-          <a:extLst>
-            <a:ext uri="{909E8E84-426E-40DD-AFC4-6F175D3DCCD1}">
-              <a14:hiddenFill xmlns:a14="http://schemas.microsoft.com/office/drawing/2010/main">
-                <a:solidFill>
-                  <a:srgbClr val="FFFFFF"/>
-                </a:solidFill>
-              </a14:hiddenFill>
-            </a:ext>
-          </a:extLst>
-        </p:spPr>
-      </p:pic>
     </p:spTree>
     <p:extLst>
       <p:ext uri="{BB962C8B-B14F-4D97-AF65-F5344CB8AC3E}">

--- a/Literature/COVID_slides.pptx
+++ b/Literature/COVID_slides.pptx
@@ -3992,6 +3992,135 @@
             <a:r>
               <a:rPr lang="en-US" dirty="0"/>
               <a:t>IFN role in the anti-viral infection</a:t>
+            </a:r>
+          </a:p>
+        </p:txBody>
+      </p:sp>
+      <p:pic>
+        <p:nvPicPr>
+          <p:cNvPr id="2052" name="Picture 4" descr="0">
+            <a:extLst>
+              <a:ext uri="{FF2B5EF4-FFF2-40B4-BE49-F238E27FC236}">
+                <a16:creationId xmlns:a16="http://schemas.microsoft.com/office/drawing/2014/main" id="{D53A87DB-CE9D-4467-8FE9-307C7E7F9767}"/>
+              </a:ext>
+            </a:extLst>
+          </p:cNvPr>
+          <p:cNvPicPr>
+            <a:picLocks noChangeAspect="1" noChangeArrowheads="1"/>
+          </p:cNvPicPr>
+          <p:nvPr/>
+        </p:nvPicPr>
+        <p:blipFill>
+          <a:blip r:embed="rId3">
+            <a:extLst>
+              <a:ext uri="{28A0092B-C50C-407E-A947-70E740481C1C}">
+                <a14:useLocalDpi xmlns:a14="http://schemas.microsoft.com/office/drawing/2010/main" val="0"/>
+              </a:ext>
+            </a:extLst>
+          </a:blip>
+          <a:srcRect/>
+          <a:stretch>
+            <a:fillRect/>
+          </a:stretch>
+        </p:blipFill>
+        <p:spPr bwMode="auto">
+          <a:xfrm>
+            <a:off x="838199" y="1023310"/>
+            <a:ext cx="3019425" cy="5830986"/>
+          </a:xfrm>
+          <a:prstGeom prst="rect">
+            <a:avLst/>
+          </a:prstGeom>
+          <a:noFill/>
+          <a:extLst>
+            <a:ext uri="{909E8E84-426E-40DD-AFC4-6F175D3DCCD1}">
+              <a14:hiddenFill xmlns:a14="http://schemas.microsoft.com/office/drawing/2010/main">
+                <a:solidFill>
+                  <a:srgbClr val="FFFFFF"/>
+                </a:solidFill>
+              </a14:hiddenFill>
+            </a:ext>
+          </a:extLst>
+        </p:spPr>
+      </p:pic>
+      <p:pic>
+        <p:nvPicPr>
+          <p:cNvPr id="2054" name="Picture 6" descr="0">
+            <a:extLst>
+              <a:ext uri="{FF2B5EF4-FFF2-40B4-BE49-F238E27FC236}">
+                <a16:creationId xmlns:a16="http://schemas.microsoft.com/office/drawing/2014/main" id="{CBD2096C-FF3C-4D9F-B61C-E7616139D0B9}"/>
+              </a:ext>
+            </a:extLst>
+          </p:cNvPr>
+          <p:cNvPicPr>
+            <a:picLocks noChangeAspect="1" noChangeArrowheads="1"/>
+          </p:cNvPicPr>
+          <p:nvPr/>
+        </p:nvPicPr>
+        <p:blipFill>
+          <a:blip r:embed="rId4">
+            <a:extLst>
+              <a:ext uri="{28A0092B-C50C-407E-A947-70E740481C1C}">
+                <a14:useLocalDpi xmlns:a14="http://schemas.microsoft.com/office/drawing/2010/main" val="0"/>
+              </a:ext>
+            </a:extLst>
+          </a:blip>
+          <a:srcRect/>
+          <a:stretch>
+            <a:fillRect/>
+          </a:stretch>
+        </p:blipFill>
+        <p:spPr bwMode="auto">
+          <a:xfrm>
+            <a:off x="5707274" y="2889740"/>
+            <a:ext cx="5254208" cy="2062003"/>
+          </a:xfrm>
+          <a:prstGeom prst="rect">
+            <a:avLst/>
+          </a:prstGeom>
+          <a:noFill/>
+          <a:extLst>
+            <a:ext uri="{909E8E84-426E-40DD-AFC4-6F175D3DCCD1}">
+              <a14:hiddenFill xmlns:a14="http://schemas.microsoft.com/office/drawing/2010/main">
+                <a:solidFill>
+                  <a:srgbClr val="FFFFFF"/>
+                </a:solidFill>
+              </a14:hiddenFill>
+            </a:ext>
+          </a:extLst>
+        </p:spPr>
+      </p:pic>
+      <p:sp>
+        <p:nvSpPr>
+          <p:cNvPr id="5" name="TextBox 4">
+            <a:extLst>
+              <a:ext uri="{FF2B5EF4-FFF2-40B4-BE49-F238E27FC236}">
+                <a16:creationId xmlns:a16="http://schemas.microsoft.com/office/drawing/2014/main" id="{B144FD05-BBF6-4956-B6DB-B0FD56088A18}"/>
+              </a:ext>
+            </a:extLst>
+          </p:cNvPr>
+          <p:cNvSpPr txBox="1"/>
+          <p:nvPr/>
+        </p:nvSpPr>
+        <p:spPr>
+          <a:xfrm>
+            <a:off x="5922554" y="4993495"/>
+            <a:ext cx="2820772" cy="369332"/>
+          </a:xfrm>
+          <a:prstGeom prst="rect">
+            <a:avLst/>
+          </a:prstGeom>
+          <a:noFill/>
+        </p:spPr>
+        <p:txBody>
+          <a:bodyPr wrap="none" rtlCol="0">
+            <a:spAutoFit/>
+          </a:bodyPr>
+          <a:lstStyle/>
+          <a:p>
+            <a:r>
+              <a:rPr lang="en-US" dirty="0"/>
+              <a:t>NHBE_SARS_CoV2_pathway</a:t>
             </a:r>
           </a:p>
         </p:txBody>

--- a/Literature/COVID_slides.pptx
+++ b/Literature/COVID_slides.pptx
@@ -3845,48 +3845,12 @@
           <a:chExt cx="0" cy="0"/>
         </a:xfrm>
       </p:grpSpPr>
-      <p:sp>
-        <p:nvSpPr>
-          <p:cNvPr id="3" name="Content Placeholder 2">
-            <a:extLst>
-              <a:ext uri="{FF2B5EF4-FFF2-40B4-BE49-F238E27FC236}">
-                <a16:creationId xmlns:a16="http://schemas.microsoft.com/office/drawing/2014/main" id="{8CBED450-92D2-4244-9205-05B81CD9FB76}"/>
-              </a:ext>
-            </a:extLst>
-          </p:cNvPr>
-          <p:cNvSpPr>
-            <a:spLocks noGrp="1"/>
-          </p:cNvSpPr>
-          <p:nvPr>
-            <p:ph idx="1"/>
-          </p:nvPr>
-        </p:nvSpPr>
-        <p:spPr>
-          <a:xfrm>
-            <a:off x="838200" y="447675"/>
-            <a:ext cx="10515600" cy="5729288"/>
-          </a:xfrm>
-        </p:spPr>
-        <p:txBody>
-          <a:bodyPr/>
-          <a:lstStyle/>
-          <a:p>
-            <a:r>
-              <a:rPr lang="en-US" dirty="0"/>
-              <a:t>NHBE: Primary human lung epithelium.</a:t>
-            </a:r>
-          </a:p>
-          <a:p>
-            <a:endParaRPr lang="en-US" dirty="0"/>
-          </a:p>
-        </p:txBody>
-      </p:sp>
       <p:pic>
         <p:nvPicPr>
-          <p:cNvPr id="2050" name="Picture 2" descr="/WebMaterial/ShowPic/1203032">
-            <a:extLst>
-              <a:ext uri="{FF2B5EF4-FFF2-40B4-BE49-F238E27FC236}">
-                <a16:creationId xmlns:a16="http://schemas.microsoft.com/office/drawing/2014/main" id="{002D1982-CB54-4F22-8BDA-082E152DAF3E}"/>
+          <p:cNvPr id="2054" name="Picture 6" descr="0">
+            <a:extLst>
+              <a:ext uri="{FF2B5EF4-FFF2-40B4-BE49-F238E27FC236}">
+                <a16:creationId xmlns:a16="http://schemas.microsoft.com/office/drawing/2014/main" id="{CBD2096C-FF3C-4D9F-B61C-E7616139D0B9}"/>
               </a:ext>
             </a:extLst>
           </p:cNvPr>
@@ -3910,8 +3874,8 @@
         </p:blipFill>
         <p:spPr bwMode="auto">
           <a:xfrm>
-            <a:off x="7111170" y="243827"/>
-            <a:ext cx="4724400" cy="2324100"/>
+            <a:off x="3650694" y="1748229"/>
+            <a:ext cx="5334731" cy="2093604"/>
           </a:xfrm>
           <a:prstGeom prst="rect">
             <a:avLst/>
@@ -3930,78 +3894,46 @@
       </p:pic>
       <p:sp>
         <p:nvSpPr>
-          <p:cNvPr id="4" name="Rectangle 3">
-            <a:extLst>
-              <a:ext uri="{FF2B5EF4-FFF2-40B4-BE49-F238E27FC236}">
-                <a16:creationId xmlns:a16="http://schemas.microsoft.com/office/drawing/2014/main" id="{ED97C8F5-8E30-4DAD-908A-B7A2679D8CC3}"/>
-              </a:ext>
-            </a:extLst>
-          </p:cNvPr>
-          <p:cNvSpPr/>
-          <p:nvPr/>
+          <p:cNvPr id="3" name="Content Placeholder 2">
+            <a:extLst>
+              <a:ext uri="{FF2B5EF4-FFF2-40B4-BE49-F238E27FC236}">
+                <a16:creationId xmlns:a16="http://schemas.microsoft.com/office/drawing/2014/main" id="{8CBED450-92D2-4244-9205-05B81CD9FB76}"/>
+              </a:ext>
+            </a:extLst>
+          </p:cNvPr>
+          <p:cNvSpPr>
+            <a:spLocks noGrp="1"/>
+          </p:cNvSpPr>
+          <p:nvPr>
+            <p:ph idx="1"/>
+          </p:nvPr>
         </p:nvSpPr>
         <p:spPr>
           <a:xfrm>
-            <a:off x="7269636" y="2567927"/>
-            <a:ext cx="4743991" cy="369332"/>
+            <a:off x="838200" y="447675"/>
+            <a:ext cx="10515600" cy="5729288"/>
           </a:xfrm>
-          <a:prstGeom prst="rect">
-            <a:avLst/>
-          </a:prstGeom>
         </p:spPr>
         <p:txBody>
-          <a:bodyPr wrap="none">
-            <a:spAutoFit/>
-          </a:bodyPr>
+          <a:bodyPr/>
           <a:lstStyle/>
           <a:p>
             <a:r>
               <a:rPr lang="en-US" dirty="0"/>
-              <a:t>https://www.karger.com/Article/Fulltext/508379</a:t>
-            </a:r>
-          </a:p>
-        </p:txBody>
-      </p:sp>
-      <p:sp>
-        <p:nvSpPr>
-          <p:cNvPr id="6" name="Rectangle 5">
-            <a:extLst>
-              <a:ext uri="{FF2B5EF4-FFF2-40B4-BE49-F238E27FC236}">
-                <a16:creationId xmlns:a16="http://schemas.microsoft.com/office/drawing/2014/main" id="{0FBEDDDE-BE56-4771-AD07-61068038FD1D}"/>
-              </a:ext>
-            </a:extLst>
-          </p:cNvPr>
-          <p:cNvSpPr/>
-          <p:nvPr/>
-        </p:nvSpPr>
-        <p:spPr>
-          <a:xfrm>
-            <a:off x="7269635" y="0"/>
-            <a:ext cx="3268780" cy="369332"/>
-          </a:xfrm>
-          <a:prstGeom prst="rect">
-            <a:avLst/>
-          </a:prstGeom>
-        </p:spPr>
-        <p:txBody>
-          <a:bodyPr wrap="none">
-            <a:spAutoFit/>
-          </a:bodyPr>
-          <a:lstStyle/>
-          <a:p>
-            <a:r>
-              <a:rPr lang="en-US" dirty="0"/>
-              <a:t>IFN role in the anti-viral infection</a:t>
-            </a:r>
+              <a:t>NHBE: Primary human lung epithelium.</a:t>
+            </a:r>
+          </a:p>
+          <a:p>
+            <a:endParaRPr lang="en-US" dirty="0"/>
           </a:p>
         </p:txBody>
       </p:sp>
       <p:pic>
         <p:nvPicPr>
-          <p:cNvPr id="2052" name="Picture 4" descr="0">
-            <a:extLst>
-              <a:ext uri="{FF2B5EF4-FFF2-40B4-BE49-F238E27FC236}">
-                <a16:creationId xmlns:a16="http://schemas.microsoft.com/office/drawing/2014/main" id="{D53A87DB-CE9D-4467-8FE9-307C7E7F9767}"/>
+          <p:cNvPr id="2050" name="Picture 2" descr="/WebMaterial/ShowPic/1203032">
+            <a:extLst>
+              <a:ext uri="{FF2B5EF4-FFF2-40B4-BE49-F238E27FC236}">
+                <a16:creationId xmlns:a16="http://schemas.microsoft.com/office/drawing/2014/main" id="{002D1982-CB54-4F22-8BDA-082E152DAF3E}"/>
               </a:ext>
             </a:extLst>
           </p:cNvPr>
@@ -4025,7 +3957,122 @@
         </p:blipFill>
         <p:spPr bwMode="auto">
           <a:xfrm>
-            <a:off x="838199" y="1023310"/>
+            <a:off x="8030084" y="313309"/>
+            <a:ext cx="3703010" cy="1821642"/>
+          </a:xfrm>
+          <a:prstGeom prst="rect">
+            <a:avLst/>
+          </a:prstGeom>
+          <a:noFill/>
+          <a:extLst>
+            <a:ext uri="{909E8E84-426E-40DD-AFC4-6F175D3DCCD1}">
+              <a14:hiddenFill xmlns:a14="http://schemas.microsoft.com/office/drawing/2010/main">
+                <a:solidFill>
+                  <a:srgbClr val="FFFFFF"/>
+                </a:solidFill>
+              </a14:hiddenFill>
+            </a:ext>
+          </a:extLst>
+        </p:spPr>
+      </p:pic>
+      <p:sp>
+        <p:nvSpPr>
+          <p:cNvPr id="4" name="Rectangle 3">
+            <a:extLst>
+              <a:ext uri="{FF2B5EF4-FFF2-40B4-BE49-F238E27FC236}">
+                <a16:creationId xmlns:a16="http://schemas.microsoft.com/office/drawing/2014/main" id="{ED97C8F5-8E30-4DAD-908A-B7A2679D8CC3}"/>
+              </a:ext>
+            </a:extLst>
+          </p:cNvPr>
+          <p:cNvSpPr/>
+          <p:nvPr/>
+        </p:nvSpPr>
+        <p:spPr>
+          <a:xfrm>
+            <a:off x="7509593" y="2002557"/>
+            <a:ext cx="4743991" cy="369332"/>
+          </a:xfrm>
+          <a:prstGeom prst="rect">
+            <a:avLst/>
+          </a:prstGeom>
+        </p:spPr>
+        <p:txBody>
+          <a:bodyPr wrap="none">
+            <a:spAutoFit/>
+          </a:bodyPr>
+          <a:lstStyle/>
+          <a:p>
+            <a:r>
+              <a:rPr lang="en-US" dirty="0"/>
+              <a:t>https://www.karger.com/Article/Fulltext/508379</a:t>
+            </a:r>
+          </a:p>
+        </p:txBody>
+      </p:sp>
+      <p:sp>
+        <p:nvSpPr>
+          <p:cNvPr id="6" name="Rectangle 5">
+            <a:extLst>
+              <a:ext uri="{FF2B5EF4-FFF2-40B4-BE49-F238E27FC236}">
+                <a16:creationId xmlns:a16="http://schemas.microsoft.com/office/drawing/2014/main" id="{0FBEDDDE-BE56-4771-AD07-61068038FD1D}"/>
+              </a:ext>
+            </a:extLst>
+          </p:cNvPr>
+          <p:cNvSpPr/>
+          <p:nvPr/>
+        </p:nvSpPr>
+        <p:spPr>
+          <a:xfrm>
+            <a:off x="8007241" y="0"/>
+            <a:ext cx="3268780" cy="369332"/>
+          </a:xfrm>
+          <a:prstGeom prst="rect">
+            <a:avLst/>
+          </a:prstGeom>
+        </p:spPr>
+        <p:txBody>
+          <a:bodyPr wrap="none">
+            <a:spAutoFit/>
+          </a:bodyPr>
+          <a:lstStyle/>
+          <a:p>
+            <a:r>
+              <a:rPr lang="en-US" dirty="0"/>
+              <a:t>IFN role in the anti-viral infection</a:t>
+            </a:r>
+          </a:p>
+        </p:txBody>
+      </p:sp>
+      <p:pic>
+        <p:nvPicPr>
+          <p:cNvPr id="2052" name="Picture 4" descr="0">
+            <a:extLst>
+              <a:ext uri="{FF2B5EF4-FFF2-40B4-BE49-F238E27FC236}">
+                <a16:creationId xmlns:a16="http://schemas.microsoft.com/office/drawing/2014/main" id="{D53A87DB-CE9D-4467-8FE9-307C7E7F9767}"/>
+              </a:ext>
+            </a:extLst>
+          </p:cNvPr>
+          <p:cNvPicPr>
+            <a:picLocks noChangeAspect="1" noChangeArrowheads="1"/>
+          </p:cNvPicPr>
+          <p:nvPr/>
+        </p:nvPicPr>
+        <p:blipFill>
+          <a:blip r:embed="rId4">
+            <a:extLst>
+              <a:ext uri="{28A0092B-C50C-407E-A947-70E740481C1C}">
+                <a14:useLocalDpi xmlns:a14="http://schemas.microsoft.com/office/drawing/2010/main" val="0"/>
+              </a:ext>
+            </a:extLst>
+          </a:blip>
+          <a:srcRect/>
+          <a:stretch>
+            <a:fillRect/>
+          </a:stretch>
+        </p:blipFill>
+        <p:spPr bwMode="auto">
+          <a:xfrm>
+            <a:off x="84745" y="1026160"/>
             <a:ext cx="3019425" cy="5830986"/>
           </a:xfrm>
           <a:prstGeom prst="rect">
@@ -4043,12 +4090,47 @@
           </a:extLst>
         </p:spPr>
       </p:pic>
+      <p:sp>
+        <p:nvSpPr>
+          <p:cNvPr id="5" name="TextBox 4">
+            <a:extLst>
+              <a:ext uri="{FF2B5EF4-FFF2-40B4-BE49-F238E27FC236}">
+                <a16:creationId xmlns:a16="http://schemas.microsoft.com/office/drawing/2014/main" id="{B144FD05-BBF6-4956-B6DB-B0FD56088A18}"/>
+              </a:ext>
+            </a:extLst>
+          </p:cNvPr>
+          <p:cNvSpPr txBox="1"/>
+          <p:nvPr/>
+        </p:nvSpPr>
+        <p:spPr>
+          <a:xfrm>
+            <a:off x="3787505" y="1378897"/>
+            <a:ext cx="2820772" cy="369332"/>
+          </a:xfrm>
+          <a:prstGeom prst="rect">
+            <a:avLst/>
+          </a:prstGeom>
+          <a:noFill/>
+        </p:spPr>
+        <p:txBody>
+          <a:bodyPr wrap="none" rtlCol="0">
+            <a:spAutoFit/>
+          </a:bodyPr>
+          <a:lstStyle/>
+          <a:p>
+            <a:r>
+              <a:rPr lang="en-US" dirty="0"/>
+              <a:t>NHBE_SARS_CoV2_pathway</a:t>
+            </a:r>
+          </a:p>
+        </p:txBody>
+      </p:sp>
       <p:pic>
         <p:nvPicPr>
-          <p:cNvPr id="2054" name="Picture 6" descr="0">
-            <a:extLst>
-              <a:ext uri="{FF2B5EF4-FFF2-40B4-BE49-F238E27FC236}">
-                <a16:creationId xmlns:a16="http://schemas.microsoft.com/office/drawing/2014/main" id="{CBD2096C-FF3C-4D9F-B61C-E7616139D0B9}"/>
+          <p:cNvPr id="2056" name="Picture 8" descr="0">
+            <a:extLst>
+              <a:ext uri="{FF2B5EF4-FFF2-40B4-BE49-F238E27FC236}">
+                <a16:creationId xmlns:a16="http://schemas.microsoft.com/office/drawing/2014/main" id="{9B94DDB0-3B5C-49E7-9AB8-D397637B55A5}"/>
               </a:ext>
             </a:extLst>
           </p:cNvPr>
@@ -4058,7 +4140,7 @@
           <p:nvPr/>
         </p:nvPicPr>
         <p:blipFill>
-          <a:blip r:embed="rId4">
+          <a:blip r:embed="rId5">
             <a:extLst>
               <a:ext uri="{28A0092B-C50C-407E-A947-70E740481C1C}">
                 <a14:useLocalDpi xmlns:a14="http://schemas.microsoft.com/office/drawing/2010/main" val="0"/>
@@ -4072,8 +4154,8 @@
         </p:blipFill>
         <p:spPr bwMode="auto">
           <a:xfrm>
-            <a:off x="5707274" y="2889740"/>
-            <a:ext cx="5254208" cy="2062003"/>
+            <a:off x="3630962" y="4076355"/>
+            <a:ext cx="5435191" cy="2717596"/>
           </a:xfrm>
           <a:prstGeom prst="rect">
             <a:avLst/>
@@ -4092,10 +4174,10 @@
       </p:pic>
       <p:sp>
         <p:nvSpPr>
-          <p:cNvPr id="5" name="TextBox 4">
-            <a:extLst>
-              <a:ext uri="{FF2B5EF4-FFF2-40B4-BE49-F238E27FC236}">
-                <a16:creationId xmlns:a16="http://schemas.microsoft.com/office/drawing/2014/main" id="{B144FD05-BBF6-4956-B6DB-B0FD56088A18}"/>
+          <p:cNvPr id="11" name="TextBox 10">
+            <a:extLst>
+              <a:ext uri="{FF2B5EF4-FFF2-40B4-BE49-F238E27FC236}">
+                <a16:creationId xmlns:a16="http://schemas.microsoft.com/office/drawing/2014/main" id="{D637F6D0-236A-4C3C-9610-D4D759F6D3F0}"/>
               </a:ext>
             </a:extLst>
           </p:cNvPr>
@@ -4104,8 +4186,8 @@
         </p:nvSpPr>
         <p:spPr>
           <a:xfrm>
-            <a:off x="5922554" y="4993495"/>
-            <a:ext cx="2820772" cy="369332"/>
+            <a:off x="3722931" y="3758120"/>
+            <a:ext cx="2058833" cy="369332"/>
           </a:xfrm>
           <a:prstGeom prst="rect">
             <a:avLst/>
@@ -4119,8 +4201,74 @@
           <a:lstStyle/>
           <a:p>
             <a:r>
+              <a:rPr lang="en-US" dirty="0" err="1"/>
+              <a:t>NHBE_IAV_pathway</a:t>
+            </a:r>
+            <a:endParaRPr lang="en-US" dirty="0"/>
+          </a:p>
+        </p:txBody>
+      </p:sp>
+      <p:pic>
+        <p:nvPicPr>
+          <p:cNvPr id="7" name="Picture 6">
+            <a:extLst>
+              <a:ext uri="{FF2B5EF4-FFF2-40B4-BE49-F238E27FC236}">
+                <a16:creationId xmlns:a16="http://schemas.microsoft.com/office/drawing/2014/main" id="{5288132C-C4C1-43D4-99EF-C42F534F4921}"/>
+              </a:ext>
+            </a:extLst>
+          </p:cNvPr>
+          <p:cNvPicPr>
+            <a:picLocks noChangeAspect="1"/>
+          </p:cNvPicPr>
+          <p:nvPr/>
+        </p:nvPicPr>
+        <p:blipFill>
+          <a:blip r:embed="rId6"/>
+          <a:stretch>
+            <a:fillRect/>
+          </a:stretch>
+        </p:blipFill>
+        <p:spPr>
+          <a:xfrm>
+            <a:off x="9080413" y="2504283"/>
+            <a:ext cx="3026841" cy="3047431"/>
+          </a:xfrm>
+          <a:prstGeom prst="rect">
+            <a:avLst/>
+          </a:prstGeom>
+        </p:spPr>
+      </p:pic>
+      <p:sp>
+        <p:nvSpPr>
+          <p:cNvPr id="13" name="TextBox 12">
+            <a:extLst>
+              <a:ext uri="{FF2B5EF4-FFF2-40B4-BE49-F238E27FC236}">
+                <a16:creationId xmlns:a16="http://schemas.microsoft.com/office/drawing/2014/main" id="{6F7E36B5-075D-4646-A442-7634D72E35DA}"/>
+              </a:ext>
+            </a:extLst>
+          </p:cNvPr>
+          <p:cNvSpPr txBox="1"/>
+          <p:nvPr/>
+        </p:nvSpPr>
+        <p:spPr>
+          <a:xfrm>
+            <a:off x="9126504" y="5310340"/>
+            <a:ext cx="3087192" cy="369332"/>
+          </a:xfrm>
+          <a:prstGeom prst="rect">
+            <a:avLst/>
+          </a:prstGeom>
+          <a:noFill/>
+        </p:spPr>
+        <p:txBody>
+          <a:bodyPr wrap="none" rtlCol="0">
+            <a:spAutoFit/>
+          </a:bodyPr>
+          <a:lstStyle/>
+          <a:p>
+            <a:r>
               <a:rPr lang="en-US" dirty="0"/>
-              <a:t>NHBE_SARS_CoV2_pathway</a:t>
+              <a:t>Interferon alpha/beta signaling</a:t>
             </a:r>
           </a:p>
         </p:txBody>
@@ -4183,45 +4331,142 @@
           <a:p>
             <a:r>
               <a:rPr lang="en-US" dirty="0"/>
-              <a:t>NHBE: Primary human lung epithelium.</a:t>
-            </a:r>
-          </a:p>
-        </p:txBody>
-      </p:sp>
-      <p:sp>
-        <p:nvSpPr>
-          <p:cNvPr id="5" name="TextBox 4">
-            <a:extLst>
-              <a:ext uri="{FF2B5EF4-FFF2-40B4-BE49-F238E27FC236}">
-                <a16:creationId xmlns:a16="http://schemas.microsoft.com/office/drawing/2014/main" id="{5070BFD4-01BE-4E08-8B43-867F48044403}"/>
-              </a:ext>
-            </a:extLst>
-          </p:cNvPr>
-          <p:cNvSpPr txBox="1"/>
+              <a:t>Lung</a:t>
+            </a:r>
+          </a:p>
+        </p:txBody>
+      </p:sp>
+      <p:pic>
+        <p:nvPicPr>
+          <p:cNvPr id="1036" name="Picture 12" descr="0">
+            <a:extLst>
+              <a:ext uri="{FF2B5EF4-FFF2-40B4-BE49-F238E27FC236}">
+                <a16:creationId xmlns:a16="http://schemas.microsoft.com/office/drawing/2014/main" id="{189BE518-E973-44D4-AE9E-A886E92497EC}"/>
+              </a:ext>
+            </a:extLst>
+          </p:cNvPr>
+          <p:cNvPicPr>
+            <a:picLocks noChangeAspect="1" noChangeArrowheads="1"/>
+          </p:cNvPicPr>
           <p:nvPr/>
-        </p:nvSpPr>
-        <p:spPr>
+        </p:nvPicPr>
+        <p:blipFill>
+          <a:blip r:embed="rId3">
+            <a:extLst>
+              <a:ext uri="{28A0092B-C50C-407E-A947-70E740481C1C}">
+                <a14:useLocalDpi xmlns:a14="http://schemas.microsoft.com/office/drawing/2010/main" val="0"/>
+              </a:ext>
+            </a:extLst>
+          </a:blip>
+          <a:srcRect/>
+          <a:stretch>
+            <a:fillRect/>
+          </a:stretch>
+        </p:blipFill>
+        <p:spPr bwMode="auto">
           <a:xfrm>
-            <a:off x="7124700" y="1380117"/>
-            <a:ext cx="3383280" cy="646331"/>
+            <a:off x="373868" y="1204857"/>
+            <a:ext cx="6817039" cy="3926659"/>
           </a:xfrm>
           <a:prstGeom prst="rect">
             <a:avLst/>
           </a:prstGeom>
           <a:noFill/>
+          <a:extLst>
+            <a:ext uri="{909E8E84-426E-40DD-AFC4-6F175D3DCCD1}">
+              <a14:hiddenFill xmlns:a14="http://schemas.microsoft.com/office/drawing/2010/main">
+                <a:solidFill>
+                  <a:srgbClr val="FFFFFF"/>
+                </a:solidFill>
+              </a14:hiddenFill>
+            </a:ext>
+          </a:extLst>
         </p:spPr>
-        <p:txBody>
-          <a:bodyPr wrap="square" rtlCol="0">
+      </p:pic>
+      <p:pic>
+        <p:nvPicPr>
+          <p:cNvPr id="8" name="Picture 7">
+            <a:extLst>
+              <a:ext uri="{FF2B5EF4-FFF2-40B4-BE49-F238E27FC236}">
+                <a16:creationId xmlns:a16="http://schemas.microsoft.com/office/drawing/2014/main" id="{DA3A106C-5DA6-40D0-8669-E20AAEF353BC}"/>
+              </a:ext>
+            </a:extLst>
+          </p:cNvPr>
+          <p:cNvPicPr>
+            <a:picLocks noChangeAspect="1"/>
+          </p:cNvPicPr>
+          <p:nvPr/>
+        </p:nvPicPr>
+        <p:blipFill>
+          <a:blip r:embed="rId4"/>
+          <a:stretch>
+            <a:fillRect/>
+          </a:stretch>
+        </p:blipFill>
+        <p:spPr>
+          <a:xfrm>
+            <a:off x="7325229" y="616151"/>
+            <a:ext cx="4028571" cy="3723809"/>
+          </a:xfrm>
+          <a:prstGeom prst="rect">
+            <a:avLst/>
+          </a:prstGeom>
+        </p:spPr>
+      </p:pic>
+      <p:sp>
+        <p:nvSpPr>
+          <p:cNvPr id="9" name="Rectangle 8">
+            <a:extLst>
+              <a:ext uri="{FF2B5EF4-FFF2-40B4-BE49-F238E27FC236}">
+                <a16:creationId xmlns:a16="http://schemas.microsoft.com/office/drawing/2014/main" id="{C5773C92-4133-41AD-BFF5-A66651D2F595}"/>
+              </a:ext>
+            </a:extLst>
+          </p:cNvPr>
+          <p:cNvSpPr/>
+          <p:nvPr/>
+        </p:nvSpPr>
+        <p:spPr>
+          <a:xfrm>
+            <a:off x="7190907" y="4461258"/>
+            <a:ext cx="4732970" cy="646331"/>
+          </a:xfrm>
+          <a:prstGeom prst="rect">
+            <a:avLst/>
+          </a:prstGeom>
+        </p:spPr>
+        <p:txBody>
+          <a:bodyPr wrap="square">
             <a:spAutoFit/>
           </a:bodyPr>
           <a:lstStyle/>
           <a:p>
             <a:r>
-              <a:rPr lang="en-US" dirty="0"/>
-              <a:t>Key discovery:</a:t>
-            </a:r>
-          </a:p>
-          <a:p>
+              <a:rPr lang="en-US" dirty="0">
+                <a:solidFill>
+                  <a:srgbClr val="262730"/>
+                </a:solidFill>
+                <a:latin typeface="IBM Plex Sans"/>
+              </a:rPr>
+              <a:t>Generation of second messenger </a:t>
+            </a:r>
+            <a:r>
+              <a:rPr lang="en-US" dirty="0" err="1">
+                <a:solidFill>
+                  <a:srgbClr val="262730"/>
+                </a:solidFill>
+                <a:latin typeface="IBM Plex Sans"/>
+              </a:rPr>
+              <a:t>molecules's</a:t>
+            </a:r>
+            <a:r>
+              <a:rPr lang="en-US" dirty="0">
+                <a:solidFill>
+                  <a:srgbClr val="262730"/>
+                </a:solidFill>
+                <a:latin typeface="IBM Plex Sans"/>
+              </a:rPr>
+              <a:t> gene network</a:t>
+            </a:r>
             <a:endParaRPr lang="en-US" dirty="0"/>
           </a:p>
         </p:txBody>
@@ -4258,31 +4503,6 @@
       </p:grpSpPr>
       <p:sp>
         <p:nvSpPr>
-          <p:cNvPr id="2" name="Title 1">
-            <a:extLst>
-              <a:ext uri="{FF2B5EF4-FFF2-40B4-BE49-F238E27FC236}">
-                <a16:creationId xmlns:a16="http://schemas.microsoft.com/office/drawing/2014/main" id="{6A96187A-C116-4515-A116-1767368F6A10}"/>
-              </a:ext>
-            </a:extLst>
-          </p:cNvPr>
-          <p:cNvSpPr>
-            <a:spLocks noGrp="1"/>
-          </p:cNvSpPr>
-          <p:nvPr>
-            <p:ph type="title"/>
-          </p:nvPr>
-        </p:nvSpPr>
-        <p:spPr/>
-        <p:txBody>
-          <a:bodyPr/>
-          <a:lstStyle/>
-          <a:p>
-            <a:endParaRPr lang="en-US"/>
-          </a:p>
-        </p:txBody>
-      </p:sp>
-      <p:sp>
-        <p:nvSpPr>
           <p:cNvPr id="3" name="Content Placeholder 2">
             <a:extLst>
               <a:ext uri="{FF2B5EF4-FFF2-40B4-BE49-F238E27FC236}">
@@ -4297,12 +4517,197 @@
             <p:ph idx="1"/>
           </p:nvPr>
         </p:nvSpPr>
-        <p:spPr/>
-        <p:txBody>
-          <a:bodyPr/>
-          <a:lstStyle/>
-          <a:p>
-            <a:endParaRPr lang="en-US"/>
+        <p:spPr>
+          <a:xfrm>
+            <a:off x="838200" y="923731"/>
+            <a:ext cx="10515600" cy="5253232"/>
+          </a:xfrm>
+        </p:spPr>
+        <p:txBody>
+          <a:bodyPr/>
+          <a:lstStyle/>
+          <a:p>
+            <a:r>
+              <a:rPr lang="en-US" dirty="0"/>
+              <a:t>Nasopharyngeal (NP)</a:t>
+            </a:r>
+          </a:p>
+        </p:txBody>
+      </p:sp>
+      <p:pic>
+        <p:nvPicPr>
+          <p:cNvPr id="3074" name="Picture 2" descr="0">
+            <a:extLst>
+              <a:ext uri="{FF2B5EF4-FFF2-40B4-BE49-F238E27FC236}">
+                <a16:creationId xmlns:a16="http://schemas.microsoft.com/office/drawing/2014/main" id="{CB00F855-2C37-4FD9-AA34-8713249924CE}"/>
+              </a:ext>
+            </a:extLst>
+          </p:cNvPr>
+          <p:cNvPicPr>
+            <a:picLocks noChangeAspect="1" noChangeArrowheads="1"/>
+          </p:cNvPicPr>
+          <p:nvPr/>
+        </p:nvPicPr>
+        <p:blipFill>
+          <a:blip r:embed="rId2">
+            <a:extLst>
+              <a:ext uri="{28A0092B-C50C-407E-A947-70E740481C1C}">
+                <a14:useLocalDpi xmlns:a14="http://schemas.microsoft.com/office/drawing/2010/main" val="0"/>
+              </a:ext>
+            </a:extLst>
+          </a:blip>
+          <a:srcRect/>
+          <a:stretch>
+            <a:fillRect/>
+          </a:stretch>
+        </p:blipFill>
+        <p:spPr bwMode="auto">
+          <a:xfrm>
+            <a:off x="979650" y="2066187"/>
+            <a:ext cx="5439812" cy="4530555"/>
+          </a:xfrm>
+          <a:prstGeom prst="rect">
+            <a:avLst/>
+          </a:prstGeom>
+          <a:noFill/>
+          <a:extLst>
+            <a:ext uri="{909E8E84-426E-40DD-AFC4-6F175D3DCCD1}">
+              <a14:hiddenFill xmlns:a14="http://schemas.microsoft.com/office/drawing/2010/main">
+                <a:solidFill>
+                  <a:srgbClr val="FFFFFF"/>
+                </a:solidFill>
+              </a14:hiddenFill>
+            </a:ext>
+          </a:extLst>
+        </p:spPr>
+      </p:pic>
+      <p:pic>
+        <p:nvPicPr>
+          <p:cNvPr id="5" name="Picture 4">
+            <a:extLst>
+              <a:ext uri="{FF2B5EF4-FFF2-40B4-BE49-F238E27FC236}">
+                <a16:creationId xmlns:a16="http://schemas.microsoft.com/office/drawing/2014/main" id="{0232C8FB-1114-493A-9766-65A7F5BBAF78}"/>
+              </a:ext>
+            </a:extLst>
+          </p:cNvPr>
+          <p:cNvPicPr>
+            <a:picLocks noChangeAspect="1"/>
+          </p:cNvPicPr>
+          <p:nvPr/>
+        </p:nvPicPr>
+        <p:blipFill>
+          <a:blip r:embed="rId3"/>
+          <a:stretch>
+            <a:fillRect/>
+          </a:stretch>
+        </p:blipFill>
+        <p:spPr>
+          <a:xfrm>
+            <a:off x="7660558" y="527396"/>
+            <a:ext cx="2160714" cy="2710981"/>
+          </a:xfrm>
+          <a:prstGeom prst="rect">
+            <a:avLst/>
+          </a:prstGeom>
+        </p:spPr>
+      </p:pic>
+      <p:sp>
+        <p:nvSpPr>
+          <p:cNvPr id="6" name="TextBox 5">
+            <a:extLst>
+              <a:ext uri="{FF2B5EF4-FFF2-40B4-BE49-F238E27FC236}">
+                <a16:creationId xmlns:a16="http://schemas.microsoft.com/office/drawing/2014/main" id="{DB7681DA-C2F1-4340-8366-D7B870F0B068}"/>
+              </a:ext>
+            </a:extLst>
+          </p:cNvPr>
+          <p:cNvSpPr txBox="1"/>
+          <p:nvPr/>
+        </p:nvSpPr>
+        <p:spPr>
+          <a:xfrm>
+            <a:off x="7369126" y="3117009"/>
+            <a:ext cx="2452146" cy="369332"/>
+          </a:xfrm>
+          <a:prstGeom prst="rect">
+            <a:avLst/>
+          </a:prstGeom>
+          <a:noFill/>
+        </p:spPr>
+        <p:txBody>
+          <a:bodyPr wrap="none" rtlCol="0">
+            <a:spAutoFit/>
+          </a:bodyPr>
+          <a:lstStyle/>
+          <a:p>
+            <a:r>
+              <a:rPr lang="en-US" dirty="0"/>
+              <a:t>TYROBP Casual Network</a:t>
+            </a:r>
+          </a:p>
+        </p:txBody>
+      </p:sp>
+      <p:pic>
+        <p:nvPicPr>
+          <p:cNvPr id="7" name="Picture 6">
+            <a:extLst>
+              <a:ext uri="{FF2B5EF4-FFF2-40B4-BE49-F238E27FC236}">
+                <a16:creationId xmlns:a16="http://schemas.microsoft.com/office/drawing/2014/main" id="{942F155B-F68B-4CC6-8A1F-29E201541686}"/>
+              </a:ext>
+            </a:extLst>
+          </p:cNvPr>
+          <p:cNvPicPr>
+            <a:picLocks noChangeAspect="1"/>
+          </p:cNvPicPr>
+          <p:nvPr/>
+        </p:nvPicPr>
+        <p:blipFill>
+          <a:blip r:embed="rId4"/>
+          <a:stretch>
+            <a:fillRect/>
+          </a:stretch>
+        </p:blipFill>
+        <p:spPr>
+          <a:xfrm>
+            <a:off x="7751875" y="3796412"/>
+            <a:ext cx="2222583" cy="2380551"/>
+          </a:xfrm>
+          <a:prstGeom prst="rect">
+            <a:avLst/>
+          </a:prstGeom>
+        </p:spPr>
+      </p:pic>
+      <p:sp>
+        <p:nvSpPr>
+          <p:cNvPr id="8" name="TextBox 7">
+            <a:extLst>
+              <a:ext uri="{FF2B5EF4-FFF2-40B4-BE49-F238E27FC236}">
+                <a16:creationId xmlns:a16="http://schemas.microsoft.com/office/drawing/2014/main" id="{9C053A1D-4E29-440D-992B-E24223F85013}"/>
+              </a:ext>
+            </a:extLst>
+          </p:cNvPr>
+          <p:cNvSpPr txBox="1"/>
+          <p:nvPr/>
+        </p:nvSpPr>
+        <p:spPr>
+          <a:xfrm>
+            <a:off x="6959977" y="6178910"/>
+            <a:ext cx="4106765" cy="369332"/>
+          </a:xfrm>
+          <a:prstGeom prst="rect">
+            <a:avLst/>
+          </a:prstGeom>
+          <a:noFill/>
+        </p:spPr>
+        <p:txBody>
+          <a:bodyPr wrap="none" rtlCol="0">
+            <a:spAutoFit/>
+          </a:bodyPr>
+          <a:lstStyle/>
+          <a:p>
+            <a:r>
+              <a:rPr lang="en-US" dirty="0"/>
+              <a:t>Microglia Pathogen Phagocytosis Pathway</a:t>
+            </a:r>
           </a:p>
         </p:txBody>
       </p:sp>

--- a/Literature/COVID_slides.pptx
+++ b/Literature/COVID_slides.pptx
@@ -468,6 +468,90 @@
 </file>
 
 <file path=ppt/notesSlides/notesSlide1.xml><?xml version="1.0" encoding="utf-8"?>
+<p:notes xmlns:a="http://schemas.openxmlformats.org/drawingml/2006/main" xmlns:r="http://schemas.openxmlformats.org/officeDocument/2006/relationships" xmlns:p="http://schemas.openxmlformats.org/presentationml/2006/main">
+  <p:cSld>
+    <p:spTree>
+      <p:nvGrpSpPr>
+        <p:cNvPr id="1" name=""/>
+        <p:cNvGrpSpPr/>
+        <p:nvPr/>
+      </p:nvGrpSpPr>
+      <p:grpSpPr>
+        <a:xfrm>
+          <a:off x="0" y="0"/>
+          <a:ext cx="0" cy="0"/>
+          <a:chOff x="0" y="0"/>
+          <a:chExt cx="0" cy="0"/>
+        </a:xfrm>
+      </p:grpSpPr>
+      <p:sp>
+        <p:nvSpPr>
+          <p:cNvPr id="2" name="Slide Image Placeholder 1"/>
+          <p:cNvSpPr>
+            <a:spLocks noGrp="1" noRot="1" noChangeAspect="1"/>
+          </p:cNvSpPr>
+          <p:nvPr>
+            <p:ph type="sldImg"/>
+          </p:nvPr>
+        </p:nvSpPr>
+        <p:spPr/>
+      </p:sp>
+      <p:sp>
+        <p:nvSpPr>
+          <p:cNvPr id="3" name="Notes Placeholder 2"/>
+          <p:cNvSpPr>
+            <a:spLocks noGrp="1"/>
+          </p:cNvSpPr>
+          <p:nvPr>
+            <p:ph type="body" idx="1"/>
+          </p:nvPr>
+        </p:nvSpPr>
+        <p:spPr/>
+        <p:txBody>
+          <a:bodyPr/>
+          <a:lstStyle/>
+          <a:p>
+            <a:endParaRPr lang="en-US" dirty="0"/>
+          </a:p>
+        </p:txBody>
+      </p:sp>
+      <p:sp>
+        <p:nvSpPr>
+          <p:cNvPr id="4" name="Slide Number Placeholder 3"/>
+          <p:cNvSpPr>
+            <a:spLocks noGrp="1"/>
+          </p:cNvSpPr>
+          <p:nvPr>
+            <p:ph type="sldNum" sz="quarter" idx="5"/>
+          </p:nvPr>
+        </p:nvSpPr>
+        <p:spPr/>
+        <p:txBody>
+          <a:bodyPr/>
+          <a:lstStyle/>
+          <a:p>
+            <a:fld id="{8834DEA8-1614-46A5-81A0-B807CE445BF0}" type="slidenum">
+              <a:rPr lang="en-US" smtClean="0"/>
+              <a:t>2</a:t>
+            </a:fld>
+            <a:endParaRPr lang="en-US"/>
+          </a:p>
+        </p:txBody>
+      </p:sp>
+    </p:spTree>
+    <p:extLst>
+      <p:ext uri="{BB962C8B-B14F-4D97-AF65-F5344CB8AC3E}">
+        <p14:creationId xmlns:p14="http://schemas.microsoft.com/office/powerpoint/2010/main" val="4280493865"/>
+      </p:ext>
+    </p:extLst>
+  </p:cSld>
+  <p:clrMapOvr>
+    <a:masterClrMapping/>
+  </p:clrMapOvr>
+</p:notes>
+</file>
+
+<file path=ppt/notesSlides/notesSlide2.xml><?xml version="1.0" encoding="utf-8"?>
 <p:notes xmlns:a="http://schemas.openxmlformats.org/drawingml/2006/main" xmlns:r="http://schemas.openxmlformats.org/officeDocument/2006/relationships" xmlns:p="http://schemas.openxmlformats.org/presentationml/2006/main">
   <p:cSld>
     <p:spTree>
@@ -3783,10 +3867,27 @@
         </p:nvSpPr>
         <p:spPr/>
         <p:txBody>
-          <a:bodyPr/>
-          <a:lstStyle/>
-          <a:p>
-            <a:endParaRPr lang="en-US"/>
+          <a:bodyPr>
+            <a:normAutofit fontScale="90000"/>
+          </a:bodyPr>
+          <a:lstStyle/>
+          <a:p>
+            <a:r>
+              <a:rPr lang="en-US" dirty="0"/>
+              <a:t>PAGER-</a:t>
+            </a:r>
+            <a:r>
+              <a:rPr lang="en-US" dirty="0" err="1"/>
+              <a:t>CoV</a:t>
+            </a:r>
+            <a:r>
+              <a:rPr lang="en-US"/>
+              <a:t> Run: </a:t>
+            </a:r>
+            <a:r>
+              <a:rPr lang="en-US" dirty="0"/>
+              <a:t>A flexible platform for COVID19 functional enrichment analysis across cell types and tissues </a:t>
+            </a:r>
           </a:p>
         </p:txBody>
       </p:sp>
@@ -3811,7 +3912,10 @@
           <a:bodyPr/>
           <a:lstStyle/>
           <a:p>
-            <a:endParaRPr lang="en-US"/>
+            <a:r>
+              <a:rPr lang="en-US" dirty="0"/>
+              <a:t>Zongliang Yue, Nishant Batra, and Jake Y. Chen</a:t>
+            </a:r>
           </a:p>
         </p:txBody>
       </p:sp>
@@ -3860,7 +3964,7 @@
           <p:nvPr/>
         </p:nvPicPr>
         <p:blipFill>
-          <a:blip r:embed="rId2">
+          <a:blip r:embed="rId3">
             <a:extLst>
               <a:ext uri="{28A0092B-C50C-407E-A947-70E740481C1C}">
                 <a14:useLocalDpi xmlns:a14="http://schemas.microsoft.com/office/drawing/2010/main" val="0"/>
@@ -3943,7 +4047,7 @@
           <p:nvPr/>
         </p:nvPicPr>
         <p:blipFill>
-          <a:blip r:embed="rId3">
+          <a:blip r:embed="rId4">
             <a:extLst>
               <a:ext uri="{28A0092B-C50C-407E-A947-70E740481C1C}">
                 <a14:useLocalDpi xmlns:a14="http://schemas.microsoft.com/office/drawing/2010/main" val="0"/>
@@ -4058,7 +4162,7 @@
           <p:nvPr/>
         </p:nvPicPr>
         <p:blipFill>
-          <a:blip r:embed="rId4">
+          <a:blip r:embed="rId5">
             <a:extLst>
               <a:ext uri="{28A0092B-C50C-407E-A947-70E740481C1C}">
                 <a14:useLocalDpi xmlns:a14="http://schemas.microsoft.com/office/drawing/2010/main" val="0"/>
@@ -4140,7 +4244,7 @@
           <p:nvPr/>
         </p:nvPicPr>
         <p:blipFill>
-          <a:blip r:embed="rId5">
+          <a:blip r:embed="rId6">
             <a:extLst>
               <a:ext uri="{28A0092B-C50C-407E-A947-70E740481C1C}">
                 <a14:useLocalDpi xmlns:a14="http://schemas.microsoft.com/office/drawing/2010/main" val="0"/>
@@ -4223,7 +4327,7 @@
           <p:nvPr/>
         </p:nvPicPr>
         <p:blipFill>
-          <a:blip r:embed="rId6"/>
+          <a:blip r:embed="rId7"/>
           <a:stretch>
             <a:fillRect/>
           </a:stretch>
